--- a/August25-Presentation.pptx
+++ b/August25-Presentation.pptx
@@ -5,10 +5,10 @@
     <p:sldMasterId id="2147483648" r:id="rId4"/>
   </p:sldMasterIdLst>
   <p:notesMasterIdLst>
-    <p:notesMasterId r:id="rId20"/>
+    <p:notesMasterId r:id="rId18"/>
   </p:notesMasterIdLst>
   <p:handoutMasterIdLst>
-    <p:handoutMasterId r:id="rId21"/>
+    <p:handoutMasterId r:id="rId19"/>
   </p:handoutMasterIdLst>
   <p:sldIdLst>
     <p:sldId id="288" r:id="rId5"/>
@@ -20,17 +20,15 @@
     <p:sldId id="264" r:id="rId11"/>
     <p:sldId id="289" r:id="rId12"/>
     <p:sldId id="267" r:id="rId13"/>
-    <p:sldId id="270" r:id="rId14"/>
-    <p:sldId id="272" r:id="rId15"/>
-    <p:sldId id="274" r:id="rId16"/>
-    <p:sldId id="296" r:id="rId17"/>
-    <p:sldId id="279" r:id="rId18"/>
-    <p:sldId id="280" r:id="rId19"/>
+    <p:sldId id="296" r:id="rId14"/>
+    <p:sldId id="279" r:id="rId15"/>
+    <p:sldId id="280" r:id="rId16"/>
+    <p:sldId id="299" r:id="rId17"/>
   </p:sldIdLst>
   <p:sldSz cx="12192000" cy="6858000"/>
   <p:notesSz cx="6858000" cy="9144000"/>
   <p:custDataLst>
-    <p:tags r:id="rId22"/>
+    <p:tags r:id="rId20"/>
   </p:custDataLst>
   <p:defaultTextStyle>
     <a:defPPr>
@@ -254,7 +252,7 @@
           <a:p>
             <a:fld id="{7C4BDE61-105E-4C8A-9370-EE26862DA328}" type="datetimeFigureOut">
               <a:rPr lang="en-US" smtClean="0"/>
-              <a:t>7/31/2021</a:t>
+              <a:t>8/25/2021</a:t>
             </a:fld>
             <a:endParaRPr lang="en-US" dirty="0"/>
           </a:p>
@@ -431,7 +429,7 @@
           <a:p>
             <a:fld id="{11F9E564-F46A-4B13-9263-4DBEDE3F3E54}" type="datetimeFigureOut">
               <a:rPr lang="en-US" noProof="0" smtClean="0"/>
-              <a:t>7/31/2021</a:t>
+              <a:t>8/25/2021</a:t>
             </a:fld>
             <a:endParaRPr lang="en-US" noProof="0" dirty="0"/>
           </a:p>
@@ -742,49 +740,6 @@
           <a:bodyPr/>
           <a:lstStyle/>
           <a:p>
-            <a:r>
-              <a:rPr lang="en-US" dirty="0"/>
-              <a:t>Single source of reference</a:t>
-            </a:r>
-          </a:p>
-          <a:p>
-            <a:r>
-              <a:rPr lang="en-US" dirty="0"/>
-              <a:t>Some may ask why have this with </a:t>
-            </a:r>
-            <a:r>
-              <a:rPr lang="en-US" dirty="0" err="1"/>
-              <a:t>ssms</a:t>
-            </a:r>
-            <a:r>
-              <a:rPr lang="en-US" dirty="0"/>
-              <a:t> so powerful – speed,</a:t>
-            </a:r>
-          </a:p>
-          <a:p>
-            <a:r>
-              <a:rPr lang="en-US" dirty="0"/>
-              <a:t>My talk is separated into 3 sections – first we will look at a high level overview of Azure Data Studio</a:t>
-            </a:r>
-          </a:p>
-          <a:p>
-            <a:r>
-              <a:rPr lang="en-US" dirty="0"/>
-              <a:t>Next we will take a deep dive into the best parts and last we will have a short demo</a:t>
-            </a:r>
-          </a:p>
-          <a:p>
-            <a:endParaRPr lang="en-US" dirty="0"/>
-          </a:p>
-          <a:p>
-            <a:r>
-              <a:rPr lang="en-US" dirty="0"/>
-              <a:t>All about the </a:t>
-            </a:r>
-            <a:r>
-              <a:rPr lang="en-US"/>
-              <a:t>data story</a:t>
-            </a:r>
             <a:endParaRPr lang="en-CA" dirty="0"/>
           </a:p>
         </p:txBody>
@@ -816,6 +771,90 @@
     <p:extLst>
       <p:ext uri="{BB962C8B-B14F-4D97-AF65-F5344CB8AC3E}">
         <p14:creationId xmlns:p14="http://schemas.microsoft.com/office/powerpoint/2010/main" val="4101082694"/>
+      </p:ext>
+    </p:extLst>
+  </p:cSld>
+  <p:clrMapOvr>
+    <a:masterClrMapping/>
+  </p:clrMapOvr>
+</p:notes>
+</file>
+
+<file path=ppt/notesSlides/notesSlide10.xml><?xml version="1.0" encoding="utf-8"?>
+<p:notes xmlns:a="http://schemas.openxmlformats.org/drawingml/2006/main" xmlns:r="http://schemas.openxmlformats.org/officeDocument/2006/relationships" xmlns:p="http://schemas.openxmlformats.org/presentationml/2006/main">
+  <p:cSld>
+    <p:spTree>
+      <p:nvGrpSpPr>
+        <p:cNvPr id="1" name=""/>
+        <p:cNvGrpSpPr/>
+        <p:nvPr/>
+      </p:nvGrpSpPr>
+      <p:grpSpPr>
+        <a:xfrm>
+          <a:off x="0" y="0"/>
+          <a:ext cx="0" cy="0"/>
+          <a:chOff x="0" y="0"/>
+          <a:chExt cx="0" cy="0"/>
+        </a:xfrm>
+      </p:grpSpPr>
+      <p:sp>
+        <p:nvSpPr>
+          <p:cNvPr id="2" name="Slide Image Placeholder 1"/>
+          <p:cNvSpPr>
+            <a:spLocks noGrp="1" noRot="1" noChangeAspect="1"/>
+          </p:cNvSpPr>
+          <p:nvPr>
+            <p:ph type="sldImg"/>
+          </p:nvPr>
+        </p:nvSpPr>
+        <p:spPr/>
+      </p:sp>
+      <p:sp>
+        <p:nvSpPr>
+          <p:cNvPr id="3" name="Notes Placeholder 2"/>
+          <p:cNvSpPr>
+            <a:spLocks noGrp="1"/>
+          </p:cNvSpPr>
+          <p:nvPr>
+            <p:ph type="body" idx="1"/>
+          </p:nvPr>
+        </p:nvSpPr>
+        <p:spPr/>
+        <p:txBody>
+          <a:bodyPr/>
+          <a:lstStyle/>
+          <a:p>
+            <a:endParaRPr lang="en-CA" dirty="0"/>
+          </a:p>
+        </p:txBody>
+      </p:sp>
+      <p:sp>
+        <p:nvSpPr>
+          <p:cNvPr id="4" name="Slide Number Placeholder 3"/>
+          <p:cNvSpPr>
+            <a:spLocks noGrp="1"/>
+          </p:cNvSpPr>
+          <p:nvPr>
+            <p:ph type="sldNum" sz="quarter" idx="5"/>
+          </p:nvPr>
+        </p:nvSpPr>
+        <p:spPr/>
+        <p:txBody>
+          <a:bodyPr/>
+          <a:lstStyle/>
+          <a:p>
+            <a:fld id="{B5F4110D-4E99-49C1-BF09-9D9E5818BB6B}" type="slidenum">
+              <a:rPr lang="en-US" noProof="0" smtClean="0"/>
+              <a:t>12</a:t>
+            </a:fld>
+            <a:endParaRPr lang="en-US" noProof="0" dirty="0"/>
+          </a:p>
+        </p:txBody>
+      </p:sp>
+    </p:spTree>
+    <p:extLst>
+      <p:ext uri="{BB962C8B-B14F-4D97-AF65-F5344CB8AC3E}">
+        <p14:creationId xmlns:p14="http://schemas.microsoft.com/office/powerpoint/2010/main" val="1727400216"/>
       </p:ext>
     </p:extLst>
   </p:cSld>
@@ -869,6 +908,57 @@
           <a:bodyPr/>
           <a:lstStyle/>
           <a:p>
+            <a:r>
+              <a:rPr lang="en-CA" dirty="0">
+                <a:hlinkClick r:id="rId3"/>
+              </a:rPr>
+              <a:t>GA Version -- Download and install Azure Data Studio - Azure Data Studio | Microsoft Docs</a:t>
+            </a:r>
+            <a:endParaRPr lang="en-US" dirty="0"/>
+          </a:p>
+          <a:p>
+            <a:endParaRPr lang="en-US" dirty="0"/>
+          </a:p>
+          <a:p>
+            <a:r>
+              <a:rPr lang="en-CA" dirty="0">
+                <a:hlinkClick r:id="rId4"/>
+              </a:rPr>
+              <a:t>Insider’s Version -- </a:t>
+            </a:r>
+            <a:r>
+              <a:rPr lang="en-CA" dirty="0" err="1">
+                <a:hlinkClick r:id="rId4"/>
+              </a:rPr>
+              <a:t>microsoft</a:t>
+            </a:r>
+            <a:r>
+              <a:rPr lang="en-CA" dirty="0">
+                <a:hlinkClick r:id="rId4"/>
+              </a:rPr>
+              <a:t>/</a:t>
+            </a:r>
+            <a:r>
+              <a:rPr lang="en-CA" dirty="0" err="1">
+                <a:hlinkClick r:id="rId4"/>
+              </a:rPr>
+              <a:t>azuredatastudio</a:t>
+            </a:r>
+            <a:r>
+              <a:rPr lang="en-CA" dirty="0">
+                <a:hlinkClick r:id="rId4"/>
+              </a:rPr>
+              <a:t>: Azure Data Studio is a data management tool that enables working with SQL Server, Azure SQL DB and SQL DW from Windows, macOS and Linux. (github.com)</a:t>
+            </a:r>
+            <a:endParaRPr lang="en-CA" dirty="0"/>
+          </a:p>
+          <a:p>
+            <a:endParaRPr lang="en-US" dirty="0"/>
+          </a:p>
+          <a:p>
+            <a:endParaRPr lang="en-US" dirty="0"/>
+          </a:p>
+          <a:p>
             <a:endParaRPr lang="en-CA" dirty="0"/>
           </a:p>
         </p:txBody>
@@ -890,7 +980,7 @@
           <a:p>
             <a:fld id="{B5F4110D-4E99-49C1-BF09-9D9E5818BB6B}" type="slidenum">
               <a:rPr lang="en-US" noProof="0" smtClean="0"/>
-              <a:t>7</a:t>
+              <a:t>4</a:t>
             </a:fld>
             <a:endParaRPr lang="en-US" noProof="0" dirty="0"/>
           </a:p>
@@ -899,7 +989,7 @@
     </p:spTree>
     <p:extLst>
       <p:ext uri="{BB962C8B-B14F-4D97-AF65-F5344CB8AC3E}">
-        <p14:creationId xmlns:p14="http://schemas.microsoft.com/office/powerpoint/2010/main" val="3608710393"/>
+        <p14:creationId xmlns:p14="http://schemas.microsoft.com/office/powerpoint/2010/main" val="2561384679"/>
       </p:ext>
     </p:extLst>
   </p:cSld>
@@ -954,89 +1044,23 @@
           <a:lstStyle/>
           <a:p>
             <a:r>
-              <a:rPr lang="en-US" dirty="0"/>
-              <a:t>Use Azure Data Studio if you: Are mostly editing or executing queries. Need </a:t>
-            </a:r>
-            <a:r>
-              <a:rPr lang="en-US" dirty="0" err="1"/>
-              <a:t>theability</a:t>
-            </a:r>
-            <a:r>
-              <a:rPr lang="en-US" dirty="0"/>
-              <a:t> to quickly </a:t>
-            </a:r>
-            <a:r>
-              <a:rPr lang="en-US" dirty="0" err="1"/>
-              <a:t>chartand</a:t>
-            </a:r>
-            <a:r>
-              <a:rPr lang="en-US" dirty="0"/>
-              <a:t> </a:t>
-            </a:r>
-            <a:r>
-              <a:rPr lang="en-US" dirty="0" err="1"/>
-              <a:t>visualizeresult</a:t>
-            </a:r>
-            <a:r>
-              <a:rPr lang="en-US" dirty="0"/>
-              <a:t> sets. Can execute </a:t>
-            </a:r>
-            <a:r>
-              <a:rPr lang="en-US" dirty="0" err="1"/>
-              <a:t>mostadministrativetasks</a:t>
-            </a:r>
-            <a:r>
-              <a:rPr lang="en-US" dirty="0"/>
-              <a:t> via </a:t>
-            </a:r>
-            <a:r>
-              <a:rPr lang="en-US" dirty="0" err="1"/>
-              <a:t>theintegrated</a:t>
-            </a:r>
-            <a:r>
-              <a:rPr lang="en-US" dirty="0"/>
-              <a:t> terminal using </a:t>
-            </a:r>
-            <a:r>
-              <a:rPr lang="en-US" dirty="0" err="1"/>
-              <a:t>sqlcmd</a:t>
-            </a:r>
-            <a:r>
-              <a:rPr lang="en-US" dirty="0"/>
-              <a:t> or PowerShell. Have minimal need for wizard experiences. Do not need to do deep administrative or platform related configuration. Need to run on macOS or Linux. Use SQL Server Management Studio if you: Are doing </a:t>
-            </a:r>
-            <a:r>
-              <a:rPr lang="en-US" dirty="0" err="1"/>
-              <a:t>complexadministrative</a:t>
-            </a:r>
-            <a:r>
-              <a:rPr lang="en-US" dirty="0"/>
-              <a:t> or platform configuration. Are doing security management, including user </a:t>
-            </a:r>
-            <a:r>
-              <a:rPr lang="en-US" dirty="0" err="1"/>
-              <a:t>management,vulnerability</a:t>
-            </a:r>
-            <a:r>
-              <a:rPr lang="en-US" dirty="0"/>
-              <a:t> </a:t>
-            </a:r>
-            <a:r>
-              <a:rPr lang="en-US" dirty="0" err="1"/>
-              <a:t>assessment,and</a:t>
-            </a:r>
-            <a:r>
-              <a:rPr lang="en-US" dirty="0"/>
-              <a:t> configuration of security features. Need to make use of </a:t>
-            </a:r>
-            <a:r>
-              <a:rPr lang="en-US" dirty="0" err="1"/>
-              <a:t>performancetuning</a:t>
-            </a:r>
-            <a:r>
-              <a:rPr lang="en-US" dirty="0"/>
-              <a:t> advisors and dashboards. Use database diagrams and table designers. Need access to Registered Servers. Make use of live query stats or client statistics</a:t>
-            </a:r>
+              <a:rPr lang="en-CA" dirty="0" err="1">
+                <a:hlinkClick r:id="rId3"/>
+              </a:rPr>
+              <a:t>SQLTools</a:t>
+            </a:r>
+            <a:r>
+              <a:rPr lang="en-CA" dirty="0">
+                <a:hlinkClick r:id="rId3"/>
+              </a:rPr>
+              <a:t> - Visual Studio Marketplace</a:t>
+            </a:r>
+            <a:endParaRPr lang="en-CA" dirty="0"/>
+          </a:p>
+          <a:p>
+            <a:endParaRPr lang="en-CA" dirty="0"/>
+          </a:p>
+          <a:p>
             <a:endParaRPr lang="en-CA" dirty="0"/>
           </a:p>
         </p:txBody>
@@ -1058,7 +1082,7 @@
           <a:p>
             <a:fld id="{B5F4110D-4E99-49C1-BF09-9D9E5818BB6B}" type="slidenum">
               <a:rPr lang="en-US" noProof="0" smtClean="0"/>
-              <a:t>8</a:t>
+              <a:t>5</a:t>
             </a:fld>
             <a:endParaRPr lang="en-US" noProof="0" dirty="0"/>
           </a:p>
@@ -1067,7 +1091,7 @@
     </p:spTree>
     <p:extLst>
       <p:ext uri="{BB962C8B-B14F-4D97-AF65-F5344CB8AC3E}">
-        <p14:creationId xmlns:p14="http://schemas.microsoft.com/office/powerpoint/2010/main" val="3730594329"/>
+        <p14:creationId xmlns:p14="http://schemas.microsoft.com/office/powerpoint/2010/main" val="138073357"/>
       </p:ext>
     </p:extLst>
   </p:cSld>
@@ -1121,6 +1145,15 @@
           <a:bodyPr/>
           <a:lstStyle/>
           <a:p>
+            <a:r>
+              <a:rPr lang="en-US" dirty="0">
+                <a:hlinkClick r:id="rId3"/>
+              </a:rPr>
+              <a:t>Microsoft SQL Server Projects (github.com)</a:t>
+            </a:r>
+            <a:endParaRPr lang="en-US" dirty="0"/>
+          </a:p>
+          <a:p>
             <a:endParaRPr lang="en-CA" dirty="0"/>
           </a:p>
         </p:txBody>
@@ -1142,7 +1175,7 @@
           <a:p>
             <a:fld id="{B5F4110D-4E99-49C1-BF09-9D9E5818BB6B}" type="slidenum">
               <a:rPr lang="en-US" noProof="0" smtClean="0"/>
-              <a:t>15</a:t>
+              <a:t>6</a:t>
             </a:fld>
             <a:endParaRPr lang="en-US" noProof="0" dirty="0"/>
           </a:p>
@@ -1151,7 +1184,477 @@
     </p:spTree>
     <p:extLst>
       <p:ext uri="{BB962C8B-B14F-4D97-AF65-F5344CB8AC3E}">
-        <p14:creationId xmlns:p14="http://schemas.microsoft.com/office/powerpoint/2010/main" val="1727400216"/>
+        <p14:creationId xmlns:p14="http://schemas.microsoft.com/office/powerpoint/2010/main" val="1220033546"/>
+      </p:ext>
+    </p:extLst>
+  </p:cSld>
+  <p:clrMapOvr>
+    <a:masterClrMapping/>
+  </p:clrMapOvr>
+</p:notes>
+</file>
+
+<file path=ppt/notesSlides/notesSlide5.xml><?xml version="1.0" encoding="utf-8"?>
+<p:notes xmlns:a="http://schemas.openxmlformats.org/drawingml/2006/main" xmlns:r="http://schemas.openxmlformats.org/officeDocument/2006/relationships" xmlns:p="http://schemas.openxmlformats.org/presentationml/2006/main">
+  <p:cSld>
+    <p:spTree>
+      <p:nvGrpSpPr>
+        <p:cNvPr id="1" name=""/>
+        <p:cNvGrpSpPr/>
+        <p:nvPr/>
+      </p:nvGrpSpPr>
+      <p:grpSpPr>
+        <a:xfrm>
+          <a:off x="0" y="0"/>
+          <a:ext cx="0" cy="0"/>
+          <a:chOff x="0" y="0"/>
+          <a:chExt cx="0" cy="0"/>
+        </a:xfrm>
+      </p:grpSpPr>
+      <p:sp>
+        <p:nvSpPr>
+          <p:cNvPr id="2" name="Slide Image Placeholder 1"/>
+          <p:cNvSpPr>
+            <a:spLocks noGrp="1" noRot="1" noChangeAspect="1"/>
+          </p:cNvSpPr>
+          <p:nvPr>
+            <p:ph type="sldImg"/>
+          </p:nvPr>
+        </p:nvSpPr>
+        <p:spPr/>
+      </p:sp>
+      <p:sp>
+        <p:nvSpPr>
+          <p:cNvPr id="3" name="Notes Placeholder 2"/>
+          <p:cNvSpPr>
+            <a:spLocks noGrp="1"/>
+          </p:cNvSpPr>
+          <p:nvPr>
+            <p:ph type="body" idx="1"/>
+          </p:nvPr>
+        </p:nvSpPr>
+        <p:spPr/>
+        <p:txBody>
+          <a:bodyPr/>
+          <a:lstStyle/>
+          <a:p>
+            <a:endParaRPr lang="en-CA" dirty="0"/>
+          </a:p>
+        </p:txBody>
+      </p:sp>
+      <p:sp>
+        <p:nvSpPr>
+          <p:cNvPr id="4" name="Slide Number Placeholder 3"/>
+          <p:cNvSpPr>
+            <a:spLocks noGrp="1"/>
+          </p:cNvSpPr>
+          <p:nvPr>
+            <p:ph type="sldNum" sz="quarter" idx="5"/>
+          </p:nvPr>
+        </p:nvSpPr>
+        <p:spPr/>
+        <p:txBody>
+          <a:bodyPr/>
+          <a:lstStyle/>
+          <a:p>
+            <a:fld id="{B5F4110D-4E99-49C1-BF09-9D9E5818BB6B}" type="slidenum">
+              <a:rPr lang="en-US" noProof="0" smtClean="0"/>
+              <a:t>7</a:t>
+            </a:fld>
+            <a:endParaRPr lang="en-US" noProof="0" dirty="0"/>
+          </a:p>
+        </p:txBody>
+      </p:sp>
+    </p:spTree>
+    <p:extLst>
+      <p:ext uri="{BB962C8B-B14F-4D97-AF65-F5344CB8AC3E}">
+        <p14:creationId xmlns:p14="http://schemas.microsoft.com/office/powerpoint/2010/main" val="3608710393"/>
+      </p:ext>
+    </p:extLst>
+  </p:cSld>
+  <p:clrMapOvr>
+    <a:masterClrMapping/>
+  </p:clrMapOvr>
+</p:notes>
+</file>
+
+<file path=ppt/notesSlides/notesSlide6.xml><?xml version="1.0" encoding="utf-8"?>
+<p:notes xmlns:a="http://schemas.openxmlformats.org/drawingml/2006/main" xmlns:r="http://schemas.openxmlformats.org/officeDocument/2006/relationships" xmlns:p="http://schemas.openxmlformats.org/presentationml/2006/main">
+  <p:cSld>
+    <p:spTree>
+      <p:nvGrpSpPr>
+        <p:cNvPr id="1" name=""/>
+        <p:cNvGrpSpPr/>
+        <p:nvPr/>
+      </p:nvGrpSpPr>
+      <p:grpSpPr>
+        <a:xfrm>
+          <a:off x="0" y="0"/>
+          <a:ext cx="0" cy="0"/>
+          <a:chOff x="0" y="0"/>
+          <a:chExt cx="0" cy="0"/>
+        </a:xfrm>
+      </p:grpSpPr>
+      <p:sp>
+        <p:nvSpPr>
+          <p:cNvPr id="2" name="Slide Image Placeholder 1"/>
+          <p:cNvSpPr>
+            <a:spLocks noGrp="1" noRot="1" noChangeAspect="1"/>
+          </p:cNvSpPr>
+          <p:nvPr>
+            <p:ph type="sldImg"/>
+          </p:nvPr>
+        </p:nvSpPr>
+        <p:spPr/>
+      </p:sp>
+      <p:sp>
+        <p:nvSpPr>
+          <p:cNvPr id="3" name="Notes Placeholder 2"/>
+          <p:cNvSpPr>
+            <a:spLocks noGrp="1"/>
+          </p:cNvSpPr>
+          <p:nvPr>
+            <p:ph type="body" idx="1"/>
+          </p:nvPr>
+        </p:nvSpPr>
+        <p:spPr/>
+        <p:txBody>
+          <a:bodyPr/>
+          <a:lstStyle/>
+          <a:p>
+            <a:endParaRPr lang="en-CA" dirty="0"/>
+          </a:p>
+        </p:txBody>
+      </p:sp>
+      <p:sp>
+        <p:nvSpPr>
+          <p:cNvPr id="4" name="Slide Number Placeholder 3"/>
+          <p:cNvSpPr>
+            <a:spLocks noGrp="1"/>
+          </p:cNvSpPr>
+          <p:nvPr>
+            <p:ph type="sldNum" sz="quarter" idx="5"/>
+          </p:nvPr>
+        </p:nvSpPr>
+        <p:spPr/>
+        <p:txBody>
+          <a:bodyPr/>
+          <a:lstStyle/>
+          <a:p>
+            <a:fld id="{B5F4110D-4E99-49C1-BF09-9D9E5818BB6B}" type="slidenum">
+              <a:rPr lang="en-US" noProof="0" smtClean="0"/>
+              <a:t>8</a:t>
+            </a:fld>
+            <a:endParaRPr lang="en-US" noProof="0" dirty="0"/>
+          </a:p>
+        </p:txBody>
+      </p:sp>
+    </p:spTree>
+    <p:extLst>
+      <p:ext uri="{BB962C8B-B14F-4D97-AF65-F5344CB8AC3E}">
+        <p14:creationId xmlns:p14="http://schemas.microsoft.com/office/powerpoint/2010/main" val="3730594329"/>
+      </p:ext>
+    </p:extLst>
+  </p:cSld>
+  <p:clrMapOvr>
+    <a:masterClrMapping/>
+  </p:clrMapOvr>
+</p:notes>
+</file>
+
+<file path=ppt/notesSlides/notesSlide7.xml><?xml version="1.0" encoding="utf-8"?>
+<p:notes xmlns:a="http://schemas.openxmlformats.org/drawingml/2006/main" xmlns:r="http://schemas.openxmlformats.org/officeDocument/2006/relationships" xmlns:p="http://schemas.openxmlformats.org/presentationml/2006/main">
+  <p:cSld>
+    <p:spTree>
+      <p:nvGrpSpPr>
+        <p:cNvPr id="1" name=""/>
+        <p:cNvGrpSpPr/>
+        <p:nvPr/>
+      </p:nvGrpSpPr>
+      <p:grpSpPr>
+        <a:xfrm>
+          <a:off x="0" y="0"/>
+          <a:ext cx="0" cy="0"/>
+          <a:chOff x="0" y="0"/>
+          <a:chExt cx="0" cy="0"/>
+        </a:xfrm>
+      </p:grpSpPr>
+      <p:sp>
+        <p:nvSpPr>
+          <p:cNvPr id="2" name="Slide Image Placeholder 1"/>
+          <p:cNvSpPr>
+            <a:spLocks noGrp="1" noRot="1" noChangeAspect="1"/>
+          </p:cNvSpPr>
+          <p:nvPr>
+            <p:ph type="sldImg"/>
+          </p:nvPr>
+        </p:nvSpPr>
+        <p:spPr/>
+      </p:sp>
+      <p:sp>
+        <p:nvSpPr>
+          <p:cNvPr id="3" name="Notes Placeholder 2"/>
+          <p:cNvSpPr>
+            <a:spLocks noGrp="1"/>
+          </p:cNvSpPr>
+          <p:nvPr>
+            <p:ph type="body" idx="1"/>
+          </p:nvPr>
+        </p:nvSpPr>
+        <p:spPr/>
+        <p:txBody>
+          <a:bodyPr/>
+          <a:lstStyle/>
+          <a:p>
+            <a:endParaRPr lang="en-CA" dirty="0"/>
+          </a:p>
+        </p:txBody>
+      </p:sp>
+      <p:sp>
+        <p:nvSpPr>
+          <p:cNvPr id="4" name="Slide Number Placeholder 3"/>
+          <p:cNvSpPr>
+            <a:spLocks noGrp="1"/>
+          </p:cNvSpPr>
+          <p:nvPr>
+            <p:ph type="sldNum" sz="quarter" idx="5"/>
+          </p:nvPr>
+        </p:nvSpPr>
+        <p:spPr/>
+        <p:txBody>
+          <a:bodyPr/>
+          <a:lstStyle/>
+          <a:p>
+            <a:fld id="{B5F4110D-4E99-49C1-BF09-9D9E5818BB6B}" type="slidenum">
+              <a:rPr lang="en-US" noProof="0" smtClean="0"/>
+              <a:t>9</a:t>
+            </a:fld>
+            <a:endParaRPr lang="en-US" noProof="0" dirty="0"/>
+          </a:p>
+        </p:txBody>
+      </p:sp>
+    </p:spTree>
+    <p:extLst>
+      <p:ext uri="{BB962C8B-B14F-4D97-AF65-F5344CB8AC3E}">
+        <p14:creationId xmlns:p14="http://schemas.microsoft.com/office/powerpoint/2010/main" val="2642571091"/>
+      </p:ext>
+    </p:extLst>
+  </p:cSld>
+  <p:clrMapOvr>
+    <a:masterClrMapping/>
+  </p:clrMapOvr>
+</p:notes>
+</file>
+
+<file path=ppt/notesSlides/notesSlide8.xml><?xml version="1.0" encoding="utf-8"?>
+<p:notes xmlns:a="http://schemas.openxmlformats.org/drawingml/2006/main" xmlns:r="http://schemas.openxmlformats.org/officeDocument/2006/relationships" xmlns:p="http://schemas.openxmlformats.org/presentationml/2006/main">
+  <p:cSld>
+    <p:spTree>
+      <p:nvGrpSpPr>
+        <p:cNvPr id="1" name=""/>
+        <p:cNvGrpSpPr/>
+        <p:nvPr/>
+      </p:nvGrpSpPr>
+      <p:grpSpPr>
+        <a:xfrm>
+          <a:off x="0" y="0"/>
+          <a:ext cx="0" cy="0"/>
+          <a:chOff x="0" y="0"/>
+          <a:chExt cx="0" cy="0"/>
+        </a:xfrm>
+      </p:grpSpPr>
+      <p:sp>
+        <p:nvSpPr>
+          <p:cNvPr id="2" name="Slide Image Placeholder 1"/>
+          <p:cNvSpPr>
+            <a:spLocks noGrp="1" noRot="1" noChangeAspect="1"/>
+          </p:cNvSpPr>
+          <p:nvPr>
+            <p:ph type="sldImg"/>
+          </p:nvPr>
+        </p:nvSpPr>
+        <p:spPr/>
+      </p:sp>
+      <p:sp>
+        <p:nvSpPr>
+          <p:cNvPr id="3" name="Notes Placeholder 2"/>
+          <p:cNvSpPr>
+            <a:spLocks noGrp="1"/>
+          </p:cNvSpPr>
+          <p:nvPr>
+            <p:ph type="body" idx="1"/>
+          </p:nvPr>
+        </p:nvSpPr>
+        <p:spPr/>
+        <p:txBody>
+          <a:bodyPr/>
+          <a:lstStyle/>
+          <a:p>
+            <a:endParaRPr lang="en-CA" dirty="0"/>
+          </a:p>
+        </p:txBody>
+      </p:sp>
+      <p:sp>
+        <p:nvSpPr>
+          <p:cNvPr id="4" name="Slide Number Placeholder 3"/>
+          <p:cNvSpPr>
+            <a:spLocks noGrp="1"/>
+          </p:cNvSpPr>
+          <p:nvPr>
+            <p:ph type="sldNum" sz="quarter" idx="5"/>
+          </p:nvPr>
+        </p:nvSpPr>
+        <p:spPr/>
+        <p:txBody>
+          <a:bodyPr/>
+          <a:lstStyle/>
+          <a:p>
+            <a:fld id="{B5F4110D-4E99-49C1-BF09-9D9E5818BB6B}" type="slidenum">
+              <a:rPr lang="en-US" noProof="0" smtClean="0"/>
+              <a:t>10</a:t>
+            </a:fld>
+            <a:endParaRPr lang="en-US" noProof="0" dirty="0"/>
+          </a:p>
+        </p:txBody>
+      </p:sp>
+    </p:spTree>
+    <p:extLst>
+      <p:ext uri="{BB962C8B-B14F-4D97-AF65-F5344CB8AC3E}">
+        <p14:creationId xmlns:p14="http://schemas.microsoft.com/office/powerpoint/2010/main" val="1106203988"/>
+      </p:ext>
+    </p:extLst>
+  </p:cSld>
+  <p:clrMapOvr>
+    <a:masterClrMapping/>
+  </p:clrMapOvr>
+</p:notes>
+</file>
+
+<file path=ppt/notesSlides/notesSlide9.xml><?xml version="1.0" encoding="utf-8"?>
+<p:notes xmlns:a="http://schemas.openxmlformats.org/drawingml/2006/main" xmlns:r="http://schemas.openxmlformats.org/officeDocument/2006/relationships" xmlns:p="http://schemas.openxmlformats.org/presentationml/2006/main">
+  <p:cSld>
+    <p:spTree>
+      <p:nvGrpSpPr>
+        <p:cNvPr id="1" name=""/>
+        <p:cNvGrpSpPr/>
+        <p:nvPr/>
+      </p:nvGrpSpPr>
+      <p:grpSpPr>
+        <a:xfrm>
+          <a:off x="0" y="0"/>
+          <a:ext cx="0" cy="0"/>
+          <a:chOff x="0" y="0"/>
+          <a:chExt cx="0" cy="0"/>
+        </a:xfrm>
+      </p:grpSpPr>
+      <p:sp>
+        <p:nvSpPr>
+          <p:cNvPr id="2" name="Slide Image Placeholder 1"/>
+          <p:cNvSpPr>
+            <a:spLocks noGrp="1" noRot="1" noChangeAspect="1"/>
+          </p:cNvSpPr>
+          <p:nvPr>
+            <p:ph type="sldImg"/>
+          </p:nvPr>
+        </p:nvSpPr>
+        <p:spPr/>
+      </p:sp>
+      <p:sp>
+        <p:nvSpPr>
+          <p:cNvPr id="3" name="Notes Placeholder 2"/>
+          <p:cNvSpPr>
+            <a:spLocks noGrp="1"/>
+          </p:cNvSpPr>
+          <p:nvPr>
+            <p:ph type="body" idx="1"/>
+          </p:nvPr>
+        </p:nvSpPr>
+        <p:spPr/>
+        <p:txBody>
+          <a:bodyPr/>
+          <a:lstStyle/>
+          <a:p>
+            <a:pPr marL="0" marR="0" lvl="0" indent="0" algn="l" defTabSz="914400" rtl="0" eaLnBrk="1" fontAlgn="auto" latinLnBrk="0" hangingPunct="1">
+              <a:lnSpc>
+                <a:spcPct val="100000"/>
+              </a:lnSpc>
+              <a:spcBef>
+                <a:spcPts val="0"/>
+              </a:spcBef>
+              <a:spcAft>
+                <a:spcPts val="0"/>
+              </a:spcAft>
+              <a:buClrTx/>
+              <a:buSzTx/>
+              <a:buFontTx/>
+              <a:buNone/>
+              <a:tabLst/>
+              <a:defRPr/>
+            </a:pPr>
+            <a:r>
+              <a:rPr lang="en-CA" dirty="0">
+                <a:hlinkClick r:id="rId3"/>
+              </a:rPr>
+              <a:t>GitHub  </a:t>
+            </a:r>
+            <a:r>
+              <a:rPr lang="en-CA" dirty="0" err="1">
+                <a:hlinkClick r:id="rId3"/>
+              </a:rPr>
+              <a:t>microsoft</a:t>
+            </a:r>
+            <a:r>
+              <a:rPr lang="en-CA" dirty="0">
+                <a:hlinkClick r:id="rId3"/>
+              </a:rPr>
+              <a:t>/</a:t>
+            </a:r>
+            <a:r>
+              <a:rPr lang="en-CA" dirty="0" err="1">
+                <a:hlinkClick r:id="rId3"/>
+              </a:rPr>
+              <a:t>azuredatastudio</a:t>
+            </a:r>
+            <a:r>
+              <a:rPr lang="en-CA" dirty="0">
+                <a:hlinkClick r:id="rId3"/>
+              </a:rPr>
+              <a:t>: Azure Data Studio is a data management tool that enables working with SQL Server, Azure SQL DB and SQL DW from Windows, macOS and Linux. (github.com)</a:t>
+            </a:r>
+            <a:endParaRPr lang="en-CA" dirty="0"/>
+          </a:p>
+          <a:p>
+            <a:endParaRPr lang="en-CA" dirty="0"/>
+          </a:p>
+        </p:txBody>
+      </p:sp>
+      <p:sp>
+        <p:nvSpPr>
+          <p:cNvPr id="4" name="Slide Number Placeholder 3"/>
+          <p:cNvSpPr>
+            <a:spLocks noGrp="1"/>
+          </p:cNvSpPr>
+          <p:nvPr>
+            <p:ph type="sldNum" sz="quarter" idx="5"/>
+          </p:nvPr>
+        </p:nvSpPr>
+        <p:spPr/>
+        <p:txBody>
+          <a:bodyPr/>
+          <a:lstStyle/>
+          <a:p>
+            <a:fld id="{B5F4110D-4E99-49C1-BF09-9D9E5818BB6B}" type="slidenum">
+              <a:rPr lang="en-US" noProof="0" smtClean="0"/>
+              <a:t>11</a:t>
+            </a:fld>
+            <a:endParaRPr lang="en-US" noProof="0" dirty="0"/>
+          </a:p>
+        </p:txBody>
+      </p:sp>
+    </p:spTree>
+    <p:extLst>
+      <p:ext uri="{BB962C8B-B14F-4D97-AF65-F5344CB8AC3E}">
+        <p14:creationId xmlns:p14="http://schemas.microsoft.com/office/powerpoint/2010/main" val="3137097666"/>
       </p:ext>
     </p:extLst>
   </p:cSld>
@@ -30186,13 +30689,13 @@
           <a:lstStyle/>
           <a:p>
             <a:r>
-              <a:rPr lang="en-US" sz="1500"/>
+              <a:rPr lang="en-US" sz="1600" dirty="0"/>
               <a:t>Powered by</a:t>
             </a:r>
           </a:p>
           <a:p>
             <a:r>
-              <a:rPr lang="en-US" sz="1500"/>
+              <a:rPr lang="en-US" sz="1600" dirty="0"/>
               <a:t>KrakenYYC</a:t>
             </a:r>
           </a:p>
@@ -30228,12 +30731,145 @@
           <a:chExt cx="0" cy="0"/>
         </a:xfrm>
       </p:grpSpPr>
+      <p:sp>
+        <p:nvSpPr>
+          <p:cNvPr id="4" name="Slide Number Placeholder 3">
+            <a:extLst>
+              <a:ext uri="{FF2B5EF4-FFF2-40B4-BE49-F238E27FC236}">
+                <a16:creationId xmlns:a16="http://schemas.microsoft.com/office/drawing/2014/main" id="{DB4D966F-0CC8-432A-975B-BA0BD8ABB9FF}"/>
+              </a:ext>
+            </a:extLst>
+          </p:cNvPr>
+          <p:cNvSpPr>
+            <a:spLocks noGrp="1"/>
+          </p:cNvSpPr>
+          <p:nvPr>
+            <p:ph type="sldNum" sz="quarter" idx="12"/>
+          </p:nvPr>
+        </p:nvSpPr>
+        <p:spPr/>
+        <p:txBody>
+          <a:bodyPr/>
+          <a:lstStyle/>
+          <a:p>
+            <a:fld id="{D9BB3731-526F-4638-85F8-715D717FFC12}" type="slidenum">
+              <a:rPr lang="en-US" noProof="0" smtClean="0"/>
+              <a:t>10</a:t>
+            </a:fld>
+            <a:endParaRPr lang="en-US" noProof="0" dirty="0"/>
+          </a:p>
+        </p:txBody>
+      </p:sp>
+      <p:sp>
+        <p:nvSpPr>
+          <p:cNvPr id="5" name="Title 4">
+            <a:extLst>
+              <a:ext uri="{FF2B5EF4-FFF2-40B4-BE49-F238E27FC236}">
+                <a16:creationId xmlns:a16="http://schemas.microsoft.com/office/drawing/2014/main" id="{55C09DFF-0627-4728-9C91-2EB6A5DF6824}"/>
+              </a:ext>
+            </a:extLst>
+          </p:cNvPr>
+          <p:cNvSpPr>
+            <a:spLocks noGrp="1"/>
+          </p:cNvSpPr>
+          <p:nvPr>
+            <p:ph type="title"/>
+          </p:nvPr>
+        </p:nvSpPr>
+        <p:spPr/>
+        <p:txBody>
+          <a:bodyPr/>
+          <a:lstStyle/>
+          <a:p>
+            <a:r>
+              <a:rPr lang="en-US" dirty="0"/>
+              <a:t>DEMO TIME</a:t>
+            </a:r>
+            <a:endParaRPr lang="en-CA" dirty="0"/>
+          </a:p>
+        </p:txBody>
+      </p:sp>
+      <p:sp>
+        <p:nvSpPr>
+          <p:cNvPr id="6" name="Text Placeholder 5">
+            <a:extLst>
+              <a:ext uri="{FF2B5EF4-FFF2-40B4-BE49-F238E27FC236}">
+                <a16:creationId xmlns:a16="http://schemas.microsoft.com/office/drawing/2014/main" id="{899E9F86-06DB-4456-A7C9-A48F2CA0D216}"/>
+              </a:ext>
+            </a:extLst>
+          </p:cNvPr>
+          <p:cNvSpPr>
+            <a:spLocks noGrp="1"/>
+          </p:cNvSpPr>
+          <p:nvPr>
+            <p:ph type="body" idx="1"/>
+          </p:nvPr>
+        </p:nvSpPr>
+        <p:spPr/>
+        <p:txBody>
+          <a:bodyPr/>
+          <a:lstStyle/>
+          <a:p>
+            <a:endParaRPr lang="en-CA" dirty="0"/>
+          </a:p>
+        </p:txBody>
+      </p:sp>
+      <p:sp>
+        <p:nvSpPr>
+          <p:cNvPr id="7" name="Text Placeholder 6">
+            <a:extLst>
+              <a:ext uri="{FF2B5EF4-FFF2-40B4-BE49-F238E27FC236}">
+                <a16:creationId xmlns:a16="http://schemas.microsoft.com/office/drawing/2014/main" id="{E3323AC4-42F0-47F1-A5C0-6A9677480540}"/>
+              </a:ext>
+            </a:extLst>
+          </p:cNvPr>
+          <p:cNvSpPr>
+            <a:spLocks noGrp="1"/>
+          </p:cNvSpPr>
+          <p:nvPr>
+            <p:ph type="body" idx="13"/>
+          </p:nvPr>
+        </p:nvSpPr>
+        <p:spPr/>
+        <p:txBody>
+          <a:bodyPr/>
+          <a:lstStyle/>
+          <a:p>
+            <a:r>
+              <a:rPr lang="en-US" dirty="0"/>
+              <a:t>Layout</a:t>
+            </a:r>
+          </a:p>
+          <a:p>
+            <a:r>
+              <a:rPr lang="en-US" dirty="0"/>
+              <a:t>Notebooks</a:t>
+            </a:r>
+          </a:p>
+          <a:p>
+            <a:r>
+              <a:rPr lang="en-US" dirty="0"/>
+              <a:t>Project</a:t>
+            </a:r>
+          </a:p>
+          <a:p>
+            <a:r>
+              <a:rPr lang="en-US" dirty="0" err="1"/>
+              <a:t>SandDance</a:t>
+            </a:r>
+            <a:endParaRPr lang="en-US" dirty="0"/>
+          </a:p>
+          <a:p>
+            <a:endParaRPr lang="en-CA" dirty="0"/>
+          </a:p>
+        </p:txBody>
+      </p:sp>
       <p:pic>
         <p:nvPicPr>
-          <p:cNvPr id="14" name="Picture Placeholder 13" descr="Company logo">
-            <a:extLst>
-              <a:ext uri="{FF2B5EF4-FFF2-40B4-BE49-F238E27FC236}">
-                <a16:creationId xmlns:a16="http://schemas.microsoft.com/office/drawing/2014/main" id="{DBCF0BBD-5DCC-4553-B019-5AC568F32AF0}"/>
+          <p:cNvPr id="3" name="Picture Placeholder 2" descr="A picture containing logo&#10;&#10;Description automatically generated">
+            <a:extLst>
+              <a:ext uri="{FF2B5EF4-FFF2-40B4-BE49-F238E27FC236}">
+                <a16:creationId xmlns:a16="http://schemas.microsoft.com/office/drawing/2014/main" id="{9A2F73A0-6B0D-4F74-B263-EB08C9099206}"/>
               </a:ext>
             </a:extLst>
           </p:cNvPr>
@@ -30244,307 +30880,44 @@
             <p:ph type="pic" sz="quarter" idx="16"/>
           </p:nvPr>
         </p:nvPicPr>
-        <p:blipFill>
-          <a:blip r:embed="rId2">
-            <a:extLst>
-              <a:ext uri="{28A0092B-C50C-407E-A947-70E740481C1C}">
-                <a14:useLocalDpi xmlns:a14="http://schemas.microsoft.com/office/drawing/2010/main" val="0"/>
-              </a:ext>
-              <a:ext uri="{96DAC541-7B7A-43D3-8B79-37D633B846F1}">
-                <asvg:svgBlip xmlns:asvg="http://schemas.microsoft.com/office/drawing/2016/SVG/main" r:embed="rId3"/>
-              </a:ext>
-            </a:extLst>
-          </a:blip>
-          <a:srcRect t="480" b="480"/>
+        <p:blipFill rotWithShape="1">
+          <a:blip r:embed="rId3"/>
+          <a:srcRect t="15496" b="15496"/>
           <a:stretch>
             <a:fillRect/>
           </a:stretch>
         </p:blipFill>
         <p:spPr/>
       </p:pic>
-      <p:sp>
-        <p:nvSpPr>
-          <p:cNvPr id="5" name="Title 4">
-            <a:extLst>
-              <a:ext uri="{FF2B5EF4-FFF2-40B4-BE49-F238E27FC236}">
-                <a16:creationId xmlns:a16="http://schemas.microsoft.com/office/drawing/2014/main" id="{96B5D71A-B66C-45C9-80E4-1661878032C4}"/>
-              </a:ext>
-            </a:extLst>
-          </p:cNvPr>
-          <p:cNvSpPr>
-            <a:spLocks noGrp="1"/>
-          </p:cNvSpPr>
-          <p:nvPr>
-            <p:ph type="title"/>
-          </p:nvPr>
-        </p:nvSpPr>
-        <p:spPr>
-          <a:xfrm>
-            <a:off x="6959600" y="814742"/>
-            <a:ext cx="4422014" cy="619448"/>
-          </a:xfrm>
-        </p:spPr>
-        <p:txBody>
-          <a:bodyPr/>
-          <a:lstStyle/>
-          <a:p>
-            <a:r>
-              <a:rPr lang="en-US" dirty="0"/>
-              <a:t>COMPETITION</a:t>
-            </a:r>
-          </a:p>
-        </p:txBody>
-      </p:sp>
-      <p:sp>
-        <p:nvSpPr>
-          <p:cNvPr id="10" name="Text Placeholder 9">
-            <a:extLst>
-              <a:ext uri="{FF2B5EF4-FFF2-40B4-BE49-F238E27FC236}">
-                <a16:creationId xmlns:a16="http://schemas.microsoft.com/office/drawing/2014/main" id="{7172FD2F-F1C1-4AAB-A771-4B8BBD4B07B9}"/>
-              </a:ext>
-            </a:extLst>
-          </p:cNvPr>
-          <p:cNvSpPr>
-            <a:spLocks noGrp="1"/>
-          </p:cNvSpPr>
-          <p:nvPr>
-            <p:ph type="body" idx="1"/>
-          </p:nvPr>
-        </p:nvSpPr>
+      <p:pic>
+        <p:nvPicPr>
+          <p:cNvPr id="15" name="Picture Placeholder 14" descr="A picture containing icon&#10;&#10;Description automatically generated">
+            <a:extLst>
+              <a:ext uri="{FF2B5EF4-FFF2-40B4-BE49-F238E27FC236}">
+                <a16:creationId xmlns:a16="http://schemas.microsoft.com/office/drawing/2014/main" id="{13FF6DF3-EFE2-4E29-B599-6C6236030F2B}"/>
+              </a:ext>
+            </a:extLst>
+          </p:cNvPr>
+          <p:cNvPicPr>
+            <a:picLocks noGrp="1" noChangeAspect="1"/>
+          </p:cNvPicPr>
+          <p:nvPr>
+            <p:ph type="pic" sz="quarter" idx="14"/>
+          </p:nvPr>
+        </p:nvPicPr>
+        <p:blipFill rotWithShape="1">
+          <a:blip r:embed="rId4"/>
+          <a:srcRect l="5340" r="5340"/>
+          <a:stretch>
+            <a:fillRect/>
+          </a:stretch>
+        </p:blipFill>
         <p:spPr/>
-        <p:txBody>
-          <a:bodyPr/>
-          <a:lstStyle/>
-          <a:p>
-            <a:r>
-              <a:rPr lang="en-US" dirty="0"/>
-              <a:t>Lorem ipsum dolor sit amet, consectetuer adipiscing elit. Maecenas porttitor congue massa. Fusce posuere, magna sed pulvinar</a:t>
-            </a:r>
-          </a:p>
-        </p:txBody>
-      </p:sp>
-      <p:sp>
-        <p:nvSpPr>
-          <p:cNvPr id="7" name="Text Placeholder 6">
-            <a:extLst>
-              <a:ext uri="{FF2B5EF4-FFF2-40B4-BE49-F238E27FC236}">
-                <a16:creationId xmlns:a16="http://schemas.microsoft.com/office/drawing/2014/main" id="{6A87FC50-03BF-4F72-8848-F884A71490A0}"/>
-              </a:ext>
-            </a:extLst>
-          </p:cNvPr>
-          <p:cNvSpPr>
-            <a:spLocks noGrp="1"/>
-          </p:cNvSpPr>
-          <p:nvPr>
-            <p:ph type="body" idx="34"/>
-          </p:nvPr>
-        </p:nvSpPr>
-        <p:spPr/>
-        <p:txBody>
-          <a:bodyPr/>
-          <a:lstStyle/>
-          <a:p>
-            <a:r>
-              <a:rPr lang="en-US" dirty="0"/>
-              <a:t>Offshoot Competitors</a:t>
-            </a:r>
-          </a:p>
-        </p:txBody>
-      </p:sp>
-      <p:sp>
-        <p:nvSpPr>
-          <p:cNvPr id="9" name="Text Placeholder 8">
-            <a:extLst>
-              <a:ext uri="{FF2B5EF4-FFF2-40B4-BE49-F238E27FC236}">
-                <a16:creationId xmlns:a16="http://schemas.microsoft.com/office/drawing/2014/main" id="{DC983E91-6AA5-4B39-9ABA-8B9CBD86AC9E}"/>
-              </a:ext>
-            </a:extLst>
-          </p:cNvPr>
-          <p:cNvSpPr>
-            <a:spLocks noGrp="1"/>
-          </p:cNvSpPr>
-          <p:nvPr>
-            <p:ph type="body" idx="13"/>
-          </p:nvPr>
-        </p:nvSpPr>
-        <p:spPr/>
-        <p:txBody>
-          <a:bodyPr/>
-          <a:lstStyle/>
-          <a:p>
-            <a:pPr>
-              <a:buClr>
-                <a:schemeClr val="accent4">
-                  <a:lumMod val="60000"/>
-                  <a:lumOff val="40000"/>
-                </a:schemeClr>
-              </a:buClr>
-            </a:pPr>
-            <a:r>
-              <a:rPr lang="en-US" dirty="0"/>
-              <a:t>Google Data Studio</a:t>
-            </a:r>
-          </a:p>
-          <a:p>
-            <a:pPr>
-              <a:buClr>
-                <a:schemeClr val="accent4">
-                  <a:lumMod val="60000"/>
-                  <a:lumOff val="40000"/>
-                </a:schemeClr>
-              </a:buClr>
-            </a:pPr>
-            <a:r>
-              <a:rPr lang="en-US" dirty="0"/>
-              <a:t>IBM Data Studio</a:t>
-            </a:r>
-          </a:p>
-        </p:txBody>
-      </p:sp>
-      <p:sp>
-        <p:nvSpPr>
-          <p:cNvPr id="8" name="Text Placeholder 7">
-            <a:extLst>
-              <a:ext uri="{FF2B5EF4-FFF2-40B4-BE49-F238E27FC236}">
-                <a16:creationId xmlns:a16="http://schemas.microsoft.com/office/drawing/2014/main" id="{22CC3021-5484-4078-99A1-7601F28B0EED}"/>
-              </a:ext>
-            </a:extLst>
-          </p:cNvPr>
-          <p:cNvSpPr>
-            <a:spLocks noGrp="1"/>
-          </p:cNvSpPr>
-          <p:nvPr>
-            <p:ph type="body" idx="35"/>
-          </p:nvPr>
-        </p:nvSpPr>
-        <p:spPr>
-          <a:xfrm>
-            <a:off x="6486281" y="3015916"/>
-            <a:ext cx="4759788" cy="478800"/>
-          </a:xfrm>
-        </p:spPr>
-        <p:txBody>
-          <a:bodyPr>
-            <a:normAutofit/>
-          </a:bodyPr>
-          <a:lstStyle/>
-          <a:p>
-            <a:r>
-              <a:rPr lang="en-US" dirty="0" err="1"/>
-              <a:t>DaaS</a:t>
-            </a:r>
-            <a:r>
-              <a:rPr lang="en-US" dirty="0"/>
-              <a:t> Competitors and Platforms</a:t>
-            </a:r>
-          </a:p>
-        </p:txBody>
-      </p:sp>
-      <p:sp>
-        <p:nvSpPr>
-          <p:cNvPr id="11" name="Text Placeholder 10">
-            <a:extLst>
-              <a:ext uri="{FF2B5EF4-FFF2-40B4-BE49-F238E27FC236}">
-                <a16:creationId xmlns:a16="http://schemas.microsoft.com/office/drawing/2014/main" id="{2389ED88-AF9D-4046-82E7-BB619341344F}"/>
-              </a:ext>
-            </a:extLst>
-          </p:cNvPr>
-          <p:cNvSpPr>
-            <a:spLocks noGrp="1"/>
-          </p:cNvSpPr>
-          <p:nvPr>
-            <p:ph type="body" idx="36"/>
-          </p:nvPr>
-        </p:nvSpPr>
-        <p:spPr/>
-        <p:txBody>
-          <a:bodyPr/>
-          <a:lstStyle/>
-          <a:p>
-            <a:r>
-              <a:rPr lang="en-US" dirty="0"/>
-              <a:t>Alteryx</a:t>
-            </a:r>
-          </a:p>
-          <a:p>
-            <a:r>
-              <a:rPr lang="en-US" dirty="0"/>
-              <a:t>Snowflake</a:t>
-            </a:r>
-          </a:p>
-          <a:p>
-            <a:r>
-              <a:rPr lang="en-US" dirty="0"/>
-              <a:t>Metric Insights</a:t>
-            </a:r>
-          </a:p>
-          <a:p>
-            <a:r>
-              <a:rPr lang="en-US" dirty="0"/>
-              <a:t>Alation</a:t>
-            </a:r>
-          </a:p>
-          <a:p>
-            <a:r>
-              <a:rPr lang="en-US" dirty="0" err="1"/>
-              <a:t>DataStudio</a:t>
-            </a:r>
-            <a:endParaRPr lang="en-US" dirty="0"/>
-          </a:p>
-          <a:p>
-            <a:r>
-              <a:rPr lang="en-US" dirty="0"/>
-              <a:t>Neo4J - Aura</a:t>
-            </a:r>
-          </a:p>
-          <a:p>
-            <a:r>
-              <a:rPr lang="en-US" dirty="0"/>
-              <a:t>Looker</a:t>
-            </a:r>
-          </a:p>
-          <a:p>
-            <a:r>
-              <a:rPr lang="en-US" dirty="0"/>
-              <a:t>Qlik Sense ?</a:t>
-            </a:r>
-          </a:p>
-        </p:txBody>
-      </p:sp>
-      <p:sp>
-        <p:nvSpPr>
-          <p:cNvPr id="4" name="Slide Number Placeholder 3">
-            <a:extLst>
-              <a:ext uri="{FF2B5EF4-FFF2-40B4-BE49-F238E27FC236}">
-                <a16:creationId xmlns:a16="http://schemas.microsoft.com/office/drawing/2014/main" id="{E568E33D-19D5-4E04-A0EB-800660F73B9D}"/>
-              </a:ext>
-            </a:extLst>
-          </p:cNvPr>
-          <p:cNvSpPr>
-            <a:spLocks noGrp="1"/>
-          </p:cNvSpPr>
-          <p:nvPr>
-            <p:ph type="sldNum" sz="quarter" idx="12"/>
-          </p:nvPr>
-        </p:nvSpPr>
-        <p:spPr/>
-        <p:txBody>
-          <a:bodyPr/>
-          <a:lstStyle/>
-          <a:p>
-            <a:fld id="{D9BB3731-526F-4638-85F8-715D717FFC12}" type="slidenum">
-              <a:rPr lang="en-US" smtClean="0"/>
-              <a:pPr/>
-              <a:t>10</a:t>
-            </a:fld>
-            <a:endParaRPr lang="en-US" dirty="0"/>
-          </a:p>
-        </p:txBody>
-      </p:sp>
+      </p:pic>
     </p:spTree>
     <p:extLst>
       <p:ext uri="{BB962C8B-B14F-4D97-AF65-F5344CB8AC3E}">
-        <p14:creationId xmlns:p14="http://schemas.microsoft.com/office/powerpoint/2010/main" val="1773133830"/>
+        <p14:creationId xmlns:p14="http://schemas.microsoft.com/office/powerpoint/2010/main" val="1500403065"/>
       </p:ext>
     </p:extLst>
   </p:cSld>
@@ -30573,10 +30946,10 @@
       </p:grpSpPr>
       <p:pic>
         <p:nvPicPr>
-          <p:cNvPr id="34" name="Picture Placeholder 33" descr="Company logo">
-            <a:extLst>
-              <a:ext uri="{FF2B5EF4-FFF2-40B4-BE49-F238E27FC236}">
-                <a16:creationId xmlns:a16="http://schemas.microsoft.com/office/drawing/2014/main" id="{ACB54B28-AD33-4604-8D20-FD8211818607}"/>
+          <p:cNvPr id="20" name="Picture Placeholder 19" descr="Skyscrapers">
+            <a:extLst>
+              <a:ext uri="{FF2B5EF4-FFF2-40B4-BE49-F238E27FC236}">
+                <a16:creationId xmlns:a16="http://schemas.microsoft.com/office/drawing/2014/main" id="{62D5A589-EFF5-47EB-86A4-0D54CA10014F}"/>
               </a:ext>
             </a:extLst>
           </p:cNvPr>
@@ -30584,33 +30957,63 @@
             <a:picLocks noGrp="1" noChangeAspect="1"/>
           </p:cNvPicPr>
           <p:nvPr>
-            <p:ph type="pic" sz="quarter" idx="16"/>
+            <p:ph type="pic" sz="quarter" idx="14"/>
           </p:nvPr>
         </p:nvPicPr>
         <p:blipFill>
-          <a:blip r:embed="rId2">
+          <a:blip r:embed="rId3">
             <a:extLst>
               <a:ext uri="{28A0092B-C50C-407E-A947-70E740481C1C}">
                 <a14:useLocalDpi xmlns:a14="http://schemas.microsoft.com/office/drawing/2010/main" val="0"/>
               </a:ext>
-              <a:ext uri="{96DAC541-7B7A-43D3-8B79-37D633B846F1}">
-                <asvg:svgBlip xmlns:asvg="http://schemas.microsoft.com/office/drawing/2016/SVG/main" r:embed="rId3"/>
-              </a:ext>
             </a:extLst>
           </a:blip>
-          <a:srcRect t="480" b="480"/>
+          <a:srcRect/>
           <a:stretch>
             <a:fillRect/>
           </a:stretch>
         </p:blipFill>
-        <p:spPr/>
+        <p:spPr>
+          <a:xfrm>
+            <a:off x="0" y="0"/>
+            <a:ext cx="5267325" cy="5829300"/>
+          </a:xfrm>
+        </p:spPr>
       </p:pic>
-      <p:sp>
-        <p:nvSpPr>
-          <p:cNvPr id="19" name="Title 18">
-            <a:extLst>
-              <a:ext uri="{FF2B5EF4-FFF2-40B4-BE49-F238E27FC236}">
-                <a16:creationId xmlns:a16="http://schemas.microsoft.com/office/drawing/2014/main" id="{9FB47C68-DD83-4660-A3F7-9A80A54B6CE4}"/>
+      <p:pic>
+        <p:nvPicPr>
+          <p:cNvPr id="22" name="Picture Placeholder 21">
+            <a:extLst>
+              <a:ext uri="{FF2B5EF4-FFF2-40B4-BE49-F238E27FC236}">
+                <a16:creationId xmlns:a16="http://schemas.microsoft.com/office/drawing/2014/main" id="{A99F4ABB-EB23-40CD-8FEC-C2968264BCFC}"/>
+              </a:ext>
+            </a:extLst>
+          </p:cNvPr>
+          <p:cNvPicPr>
+            <a:picLocks noGrp="1" noChangeAspect="1"/>
+          </p:cNvPicPr>
+          <p:nvPr>
+            <p:ph type="pic" sz="quarter" idx="16"/>
+          </p:nvPr>
+        </p:nvPicPr>
+        <p:blipFill>
+          <a:blip r:embed="rId4"/>
+          <a:srcRect t="15508" b="15508"/>
+          <a:stretch/>
+        </p:blipFill>
+        <p:spPr>
+          <a:xfrm>
+            <a:off x="9013409" y="774398"/>
+            <a:ext cx="2331720" cy="539496"/>
+          </a:xfrm>
+        </p:spPr>
+      </p:pic>
+      <p:sp>
+        <p:nvSpPr>
+          <p:cNvPr id="5" name="Title 4">
+            <a:extLst>
+              <a:ext uri="{FF2B5EF4-FFF2-40B4-BE49-F238E27FC236}">
+                <a16:creationId xmlns:a16="http://schemas.microsoft.com/office/drawing/2014/main" id="{0726947E-2FAB-418C-8C21-3B37792626F9}"/>
               </a:ext>
             </a:extLst>
           </p:cNvPr>
@@ -30628,25 +31031,53 @@
           <a:p>
             <a:r>
               <a:rPr lang="en-US" dirty="0"/>
-              <a:t>GROWTH STRATEGY</a:t>
-            </a:r>
-          </a:p>
-        </p:txBody>
-      </p:sp>
-      <p:sp>
-        <p:nvSpPr>
-          <p:cNvPr id="23" name="Text Placeholder 22">
-            <a:extLst>
-              <a:ext uri="{FF2B5EF4-FFF2-40B4-BE49-F238E27FC236}">
-                <a16:creationId xmlns:a16="http://schemas.microsoft.com/office/drawing/2014/main" id="{56E5E5C7-7555-4015-B1C4-016362DCACD6}"/>
-              </a:ext>
-            </a:extLst>
-          </p:cNvPr>
-          <p:cNvSpPr>
-            <a:spLocks noGrp="1"/>
-          </p:cNvSpPr>
-          <p:nvPr>
-            <p:ph type="body" idx="37"/>
+              <a:t>SUMMARY</a:t>
+            </a:r>
+          </a:p>
+        </p:txBody>
+      </p:sp>
+      <p:sp>
+        <p:nvSpPr>
+          <p:cNvPr id="6" name="Text Placeholder 5">
+            <a:extLst>
+              <a:ext uri="{FF2B5EF4-FFF2-40B4-BE49-F238E27FC236}">
+                <a16:creationId xmlns:a16="http://schemas.microsoft.com/office/drawing/2014/main" id="{A8AAB1F4-27F4-4B2A-A912-9E212860537F}"/>
+              </a:ext>
+            </a:extLst>
+          </p:cNvPr>
+          <p:cNvSpPr>
+            <a:spLocks noGrp="1"/>
+          </p:cNvSpPr>
+          <p:nvPr>
+            <p:ph type="body" idx="1"/>
+          </p:nvPr>
+        </p:nvSpPr>
+        <p:spPr/>
+        <p:txBody>
+          <a:bodyPr/>
+          <a:lstStyle/>
+          <a:p>
+            <a:r>
+              <a:rPr lang="en-US" dirty="0"/>
+              <a:t>There is more to come with Azure Data Studio</a:t>
+            </a:r>
+          </a:p>
+        </p:txBody>
+      </p:sp>
+      <p:sp>
+        <p:nvSpPr>
+          <p:cNvPr id="7" name="Text Placeholder 6">
+            <a:extLst>
+              <a:ext uri="{FF2B5EF4-FFF2-40B4-BE49-F238E27FC236}">
+                <a16:creationId xmlns:a16="http://schemas.microsoft.com/office/drawing/2014/main" id="{3FE9A580-54CD-4CFC-960E-E92CFF7D9E1D}"/>
+              </a:ext>
+            </a:extLst>
+          </p:cNvPr>
+          <p:cNvSpPr>
+            <a:spLocks noGrp="1"/>
+          </p:cNvSpPr>
+          <p:nvPr>
+            <p:ph type="body" idx="13"/>
           </p:nvPr>
         </p:nvSpPr>
         <p:spPr/>
@@ -30657,100 +31088,8 @@
           <a:lstStyle/>
           <a:p>
             <a:r>
-              <a:rPr lang="en-US" dirty="0"/>
-              <a:t>Lorem ipsum dolor sit amet, consectetuer adipiscing elit. Maecenas porttitor congue massa</a:t>
-            </a:r>
-          </a:p>
-        </p:txBody>
-      </p:sp>
-      <p:sp>
-        <p:nvSpPr>
-          <p:cNvPr id="22" name="Text Placeholder 21">
-            <a:extLst>
-              <a:ext uri="{FF2B5EF4-FFF2-40B4-BE49-F238E27FC236}">
-                <a16:creationId xmlns:a16="http://schemas.microsoft.com/office/drawing/2014/main" id="{E5CF7060-DDE4-46E6-ADDF-0E274A77A170}"/>
-              </a:ext>
-            </a:extLst>
-          </p:cNvPr>
-          <p:cNvSpPr>
-            <a:spLocks noGrp="1"/>
-          </p:cNvSpPr>
-          <p:nvPr>
-            <p:ph type="body" idx="34"/>
-          </p:nvPr>
-        </p:nvSpPr>
-        <p:spPr/>
-        <p:txBody>
-          <a:bodyPr/>
-          <a:lstStyle/>
-          <a:p>
-            <a:r>
-              <a:rPr lang="en-US" dirty="0"/>
-              <a:t>Section 1 Title</a:t>
-            </a:r>
-          </a:p>
-        </p:txBody>
-      </p:sp>
-      <p:sp>
-        <p:nvSpPr>
-          <p:cNvPr id="28" name="Text Placeholder 27">
-            <a:extLst>
-              <a:ext uri="{FF2B5EF4-FFF2-40B4-BE49-F238E27FC236}">
-                <a16:creationId xmlns:a16="http://schemas.microsoft.com/office/drawing/2014/main" id="{A295195A-D6ED-40A4-9C90-319ED8E86A34}"/>
-              </a:ext>
-            </a:extLst>
-          </p:cNvPr>
-          <p:cNvSpPr>
-            <a:spLocks noGrp="1"/>
-          </p:cNvSpPr>
-          <p:nvPr>
-            <p:ph type="body" idx="42"/>
-          </p:nvPr>
-        </p:nvSpPr>
-        <p:spPr/>
-        <p:txBody>
-          <a:bodyPr/>
-          <a:lstStyle/>
-          <a:p>
-            <a:r>
-              <a:rPr lang="en-US" dirty="0"/>
-              <a:t>Section 1 Subtitle</a:t>
-            </a:r>
-          </a:p>
-        </p:txBody>
-      </p:sp>
-      <p:sp>
-        <p:nvSpPr>
-          <p:cNvPr id="20" name="Text Placeholder 19">
-            <a:extLst>
-              <a:ext uri="{FF2B5EF4-FFF2-40B4-BE49-F238E27FC236}">
-                <a16:creationId xmlns:a16="http://schemas.microsoft.com/office/drawing/2014/main" id="{4AD33A83-BB99-44F2-B9A1-3A75D28F2740}"/>
-              </a:ext>
-            </a:extLst>
-          </p:cNvPr>
-          <p:cNvSpPr>
-            <a:spLocks noGrp="1"/>
-          </p:cNvSpPr>
-          <p:nvPr>
-            <p:ph type="body" idx="13"/>
-          </p:nvPr>
-        </p:nvSpPr>
-        <p:spPr/>
-        <p:txBody>
-          <a:bodyPr>
-            <a:normAutofit/>
-          </a:bodyPr>
-          <a:lstStyle/>
-          <a:p>
-            <a:r>
-              <a:rPr lang="en-US" dirty="0"/>
-              <a:t>Lorem ipsum dolor sit amet, consectetuer adipiscing elit. Maecenas porttitor congue massa. </a:t>
-            </a:r>
-          </a:p>
-          <a:p>
-            <a:r>
-              <a:rPr lang="en-US" dirty="0"/>
-              <a:t>Nunc viverra imperdiet enim. Fusce est. Vivamus a tellus.</a:t>
+              <a:rPr lang="en-CA" dirty="0"/>
+              <a:t>I will have my repo available containing the extensions I have downloaded and my Powerpoint presentation slides.</a:t>
             </a:r>
           </a:p>
           <a:p>
@@ -30760,233 +31099,10 @@
       </p:sp>
       <p:sp>
         <p:nvSpPr>
-          <p:cNvPr id="24" name="Text Placeholder 23">
-            <a:extLst>
-              <a:ext uri="{FF2B5EF4-FFF2-40B4-BE49-F238E27FC236}">
-                <a16:creationId xmlns:a16="http://schemas.microsoft.com/office/drawing/2014/main" id="{B836FA3C-462C-4955-9E8B-CB08D8B654DC}"/>
-              </a:ext>
-            </a:extLst>
-          </p:cNvPr>
-          <p:cNvSpPr>
-            <a:spLocks noGrp="1"/>
-          </p:cNvSpPr>
-          <p:nvPr>
-            <p:ph type="body" idx="38"/>
-          </p:nvPr>
-        </p:nvSpPr>
-        <p:spPr/>
-        <p:txBody>
-          <a:bodyPr/>
-          <a:lstStyle/>
-          <a:p>
-            <a:r>
-              <a:rPr lang="en-US" dirty="0"/>
-              <a:t>Section 2 Title</a:t>
-            </a:r>
-          </a:p>
-        </p:txBody>
-      </p:sp>
-      <p:sp>
-        <p:nvSpPr>
-          <p:cNvPr id="29" name="Text Placeholder 28">
-            <a:extLst>
-              <a:ext uri="{FF2B5EF4-FFF2-40B4-BE49-F238E27FC236}">
-                <a16:creationId xmlns:a16="http://schemas.microsoft.com/office/drawing/2014/main" id="{83CB7C67-097D-4C1B-8EE2-308C1AD75184}"/>
-              </a:ext>
-            </a:extLst>
-          </p:cNvPr>
-          <p:cNvSpPr>
-            <a:spLocks noGrp="1"/>
-          </p:cNvSpPr>
-          <p:nvPr>
-            <p:ph type="body" idx="43"/>
-          </p:nvPr>
-        </p:nvSpPr>
-        <p:spPr/>
-        <p:txBody>
-          <a:bodyPr/>
-          <a:lstStyle/>
-          <a:p>
-            <a:r>
-              <a:rPr lang="en-US" dirty="0"/>
-              <a:t>Section 2 Subtitle</a:t>
-            </a:r>
-          </a:p>
-        </p:txBody>
-      </p:sp>
-      <p:sp>
-        <p:nvSpPr>
-          <p:cNvPr id="25" name="Text Placeholder 24">
-            <a:extLst>
-              <a:ext uri="{FF2B5EF4-FFF2-40B4-BE49-F238E27FC236}">
-                <a16:creationId xmlns:a16="http://schemas.microsoft.com/office/drawing/2014/main" id="{855155FD-EA74-4A20-B163-16990143777C}"/>
-              </a:ext>
-            </a:extLst>
-          </p:cNvPr>
-          <p:cNvSpPr>
-            <a:spLocks noGrp="1"/>
-          </p:cNvSpPr>
-          <p:nvPr>
-            <p:ph type="body" idx="39"/>
-          </p:nvPr>
-        </p:nvSpPr>
-        <p:spPr/>
-        <p:txBody>
-          <a:bodyPr>
-            <a:normAutofit/>
-          </a:bodyPr>
-          <a:lstStyle/>
-          <a:p>
-            <a:r>
-              <a:rPr lang="en-US" dirty="0"/>
-              <a:t>Lorem ipsum dolor sit amet, consectetuer adipiscing elit. Maecenas porttitor congue massa. </a:t>
-            </a:r>
-          </a:p>
-          <a:p>
-            <a:r>
-              <a:rPr lang="en-US" dirty="0"/>
-              <a:t>Nunc viverra imperdiet enim. Fusce est. Vivamus a tellus.</a:t>
-            </a:r>
-          </a:p>
-          <a:p>
-            <a:r>
-              <a:rPr lang="en-US" dirty="0"/>
-              <a:t>Lorem ipsum dolor sit amet, consectetuer adipiscing elit. Maecenas porttitor congue massa. </a:t>
-            </a:r>
-          </a:p>
-        </p:txBody>
-      </p:sp>
-      <p:sp>
-        <p:nvSpPr>
-          <p:cNvPr id="26" name="Text Placeholder 25">
-            <a:extLst>
-              <a:ext uri="{FF2B5EF4-FFF2-40B4-BE49-F238E27FC236}">
-                <a16:creationId xmlns:a16="http://schemas.microsoft.com/office/drawing/2014/main" id="{980067CE-BD09-4EBD-AFC5-06AAEB89C601}"/>
-              </a:ext>
-            </a:extLst>
-          </p:cNvPr>
-          <p:cNvSpPr>
-            <a:spLocks noGrp="1"/>
-          </p:cNvSpPr>
-          <p:nvPr>
-            <p:ph type="body" idx="40"/>
-          </p:nvPr>
-        </p:nvSpPr>
-        <p:spPr>
-          <a:xfrm>
-            <a:off x="8301247" y="1040284"/>
-            <a:ext cx="2728138" cy="478453"/>
-          </a:xfrm>
-        </p:spPr>
-        <p:txBody>
-          <a:bodyPr/>
-          <a:lstStyle/>
-          <a:p>
-            <a:r>
-              <a:rPr lang="en-US" dirty="0"/>
-              <a:t>Section 3 Title</a:t>
-            </a:r>
-          </a:p>
-        </p:txBody>
-      </p:sp>
-      <p:sp>
-        <p:nvSpPr>
-          <p:cNvPr id="30" name="Text Placeholder 29">
-            <a:extLst>
-              <a:ext uri="{FF2B5EF4-FFF2-40B4-BE49-F238E27FC236}">
-                <a16:creationId xmlns:a16="http://schemas.microsoft.com/office/drawing/2014/main" id="{23806116-A08B-49D7-B91B-8C5DEA81A3F7}"/>
-              </a:ext>
-            </a:extLst>
-          </p:cNvPr>
-          <p:cNvSpPr>
-            <a:spLocks noGrp="1"/>
-          </p:cNvSpPr>
-          <p:nvPr>
-            <p:ph type="body" idx="44"/>
-          </p:nvPr>
-        </p:nvSpPr>
-        <p:spPr>
-          <a:xfrm>
-            <a:off x="8301247" y="1559671"/>
-            <a:ext cx="2728138" cy="246279"/>
-          </a:xfrm>
-        </p:spPr>
-        <p:txBody>
-          <a:bodyPr/>
-          <a:lstStyle/>
-          <a:p>
-            <a:r>
-              <a:rPr lang="en-US" dirty="0"/>
-              <a:t>Section 3 Subtitle</a:t>
-            </a:r>
-          </a:p>
-        </p:txBody>
-      </p:sp>
-      <p:sp>
-        <p:nvSpPr>
-          <p:cNvPr id="27" name="Text Placeholder 26">
-            <a:extLst>
-              <a:ext uri="{FF2B5EF4-FFF2-40B4-BE49-F238E27FC236}">
-                <a16:creationId xmlns:a16="http://schemas.microsoft.com/office/drawing/2014/main" id="{1CC52BBB-4681-486B-B314-634A72E26F4B}"/>
-              </a:ext>
-            </a:extLst>
-          </p:cNvPr>
-          <p:cNvSpPr>
-            <a:spLocks noGrp="1"/>
-          </p:cNvSpPr>
-          <p:nvPr>
-            <p:ph type="body" idx="41"/>
-          </p:nvPr>
-        </p:nvSpPr>
-        <p:spPr>
-          <a:xfrm>
-            <a:off x="8292856" y="1828117"/>
-            <a:ext cx="2731930" cy="3112371"/>
-          </a:xfrm>
-        </p:spPr>
-        <p:txBody>
-          <a:bodyPr>
-            <a:normAutofit/>
-          </a:bodyPr>
-          <a:lstStyle/>
-          <a:p>
-            <a:r>
-              <a:rPr lang="en-US" dirty="0"/>
-              <a:t>Lorem ipsum dolor sit amet, consectetuer adipiscing elit. Maecenas porttitor congue massa. </a:t>
-            </a:r>
-          </a:p>
-          <a:p>
-            <a:r>
-              <a:rPr lang="en-US" dirty="0"/>
-              <a:t>Nunc viverra imperdiet enim. Fusce est. Vivamus a tellus.</a:t>
-            </a:r>
-          </a:p>
-          <a:p>
-            <a:r>
-              <a:rPr lang="en-US" dirty="0"/>
-              <a:t>Lorem ipsum dolor sit amet, consectetuer adipiscing elit. Maecenas porttitor congue massa. </a:t>
-            </a:r>
-          </a:p>
-          <a:p>
-            <a:r>
-              <a:rPr lang="en-US" dirty="0"/>
-              <a:t>Nunc viverra imperdiet enim. Fusce est. Vivamus a tellus.</a:t>
-            </a:r>
-          </a:p>
-          <a:p>
-            <a:r>
-              <a:rPr lang="en-US" dirty="0"/>
-              <a:t>Lorem ipsum dolor sit amet, consectetuer adipiscing elit. Maecenas porttitor congue massa. </a:t>
-            </a:r>
-          </a:p>
-        </p:txBody>
-      </p:sp>
-      <p:sp>
-        <p:nvSpPr>
           <p:cNvPr id="4" name="Slide Number Placeholder 3">
             <a:extLst>
               <a:ext uri="{FF2B5EF4-FFF2-40B4-BE49-F238E27FC236}">
-                <a16:creationId xmlns:a16="http://schemas.microsoft.com/office/drawing/2014/main" id="{A01106F9-F897-4F4D-84ED-2945E2BCE3D5}"/>
+                <a16:creationId xmlns:a16="http://schemas.microsoft.com/office/drawing/2014/main" id="{A2CD9E05-3F77-4460-996C-81E48C9C9302}"/>
               </a:ext>
             </a:extLst>
           </p:cNvPr>
@@ -31011,10 +31127,40 @@
           </a:p>
         </p:txBody>
       </p:sp>
+      <p:pic>
+        <p:nvPicPr>
+          <p:cNvPr id="9" name="Picture 8" descr="Rocks on a beach&#10;&#10;Description automatically generated with medium confidence">
+            <a:extLst>
+              <a:ext uri="{FF2B5EF4-FFF2-40B4-BE49-F238E27FC236}">
+                <a16:creationId xmlns:a16="http://schemas.microsoft.com/office/drawing/2014/main" id="{FB1CCF9C-0D36-4D8B-9C2E-3408447093C6}"/>
+              </a:ext>
+            </a:extLst>
+          </p:cNvPr>
+          <p:cNvPicPr>
+            <a:picLocks noChangeAspect="1"/>
+          </p:cNvPicPr>
+          <p:nvPr/>
+        </p:nvPicPr>
+        <p:blipFill>
+          <a:blip r:embed="rId5"/>
+          <a:stretch>
+            <a:fillRect/>
+          </a:stretch>
+        </p:blipFill>
+        <p:spPr>
+          <a:xfrm>
+            <a:off x="0" y="0"/>
+            <a:ext cx="5253763" cy="5829300"/>
+          </a:xfrm>
+          <a:prstGeom prst="rect">
+            <a:avLst/>
+          </a:prstGeom>
+        </p:spPr>
+      </p:pic>
     </p:spTree>
     <p:extLst>
       <p:ext uri="{BB962C8B-B14F-4D97-AF65-F5344CB8AC3E}">
-        <p14:creationId xmlns:p14="http://schemas.microsoft.com/office/powerpoint/2010/main" val="2936557498"/>
+        <p14:creationId xmlns:p14="http://schemas.microsoft.com/office/powerpoint/2010/main" val="4011904091"/>
       </p:ext>
     </p:extLst>
   </p:cSld>
@@ -31041,54 +31187,20 @@
           <a:chExt cx="0" cy="0"/>
         </a:xfrm>
       </p:grpSpPr>
-      <p:pic>
-        <p:nvPicPr>
-          <p:cNvPr id="30" name="Picture Placeholder 29" descr="Company logo">
-            <a:extLst>
-              <a:ext uri="{FF2B5EF4-FFF2-40B4-BE49-F238E27FC236}">
-                <a16:creationId xmlns:a16="http://schemas.microsoft.com/office/drawing/2014/main" id="{20706A83-96D7-4F9E-BF57-E7E5AF3C259A}"/>
-              </a:ext>
-            </a:extLst>
-          </p:cNvPr>
-          <p:cNvPicPr>
-            <a:picLocks noGrp="1" noChangeAspect="1"/>
-          </p:cNvPicPr>
-          <p:nvPr>
-            <p:ph type="pic" sz="quarter" idx="16"/>
-          </p:nvPr>
-        </p:nvPicPr>
-        <p:blipFill>
-          <a:blip r:embed="rId2">
-            <a:extLst>
-              <a:ext uri="{28A0092B-C50C-407E-A947-70E740481C1C}">
-                <a14:useLocalDpi xmlns:a14="http://schemas.microsoft.com/office/drawing/2010/main" val="0"/>
-              </a:ext>
-              <a:ext uri="{96DAC541-7B7A-43D3-8B79-37D633B846F1}">
-                <asvg:svgBlip xmlns:asvg="http://schemas.microsoft.com/office/drawing/2016/SVG/main" r:embed="rId3"/>
-              </a:ext>
-            </a:extLst>
-          </a:blip>
-          <a:srcRect t="480" b="480"/>
-          <a:stretch>
-            <a:fillRect/>
-          </a:stretch>
-        </p:blipFill>
-        <p:spPr/>
-      </p:pic>
-      <p:sp>
-        <p:nvSpPr>
-          <p:cNvPr id="5" name="Title 4">
-            <a:extLst>
-              <a:ext uri="{FF2B5EF4-FFF2-40B4-BE49-F238E27FC236}">
-                <a16:creationId xmlns:a16="http://schemas.microsoft.com/office/drawing/2014/main" id="{0919B911-E1C7-456E-8486-42AEC2DB7E9F}"/>
-              </a:ext>
-            </a:extLst>
-          </p:cNvPr>
-          <p:cNvSpPr>
-            <a:spLocks noGrp="1"/>
-          </p:cNvSpPr>
-          <p:nvPr>
-            <p:ph type="title"/>
+      <p:sp>
+        <p:nvSpPr>
+          <p:cNvPr id="9" name="Text Placeholder 8">
+            <a:extLst>
+              <a:ext uri="{FF2B5EF4-FFF2-40B4-BE49-F238E27FC236}">
+                <a16:creationId xmlns:a16="http://schemas.microsoft.com/office/drawing/2014/main" id="{F28E1F60-6C6C-485D-9479-5F6E3AF49905}"/>
+              </a:ext>
+            </a:extLst>
+          </p:cNvPr>
+          <p:cNvSpPr>
+            <a:spLocks noGrp="1"/>
+          </p:cNvSpPr>
+          <p:nvPr>
+            <p:ph type="body" sz="quarter" idx="19"/>
           </p:nvPr>
         </p:nvSpPr>
         <p:spPr/>
@@ -31098,55 +31210,25 @@
           <a:p>
             <a:r>
               <a:rPr lang="en-US" dirty="0"/>
-              <a:t>TIMELINE</a:t>
-            </a:r>
-          </a:p>
-        </p:txBody>
-      </p:sp>
-      <p:sp>
-        <p:nvSpPr>
-          <p:cNvPr id="27" name="Text Placeholder 26">
-            <a:extLst>
-              <a:ext uri="{FF2B5EF4-FFF2-40B4-BE49-F238E27FC236}">
-                <a16:creationId xmlns:a16="http://schemas.microsoft.com/office/drawing/2014/main" id="{D966F852-7637-404E-8FCA-D1D59E6CA4B0}"/>
-              </a:ext>
-            </a:extLst>
-          </p:cNvPr>
-          <p:cNvSpPr>
-            <a:spLocks noGrp="1"/>
-          </p:cNvSpPr>
-          <p:nvPr>
-            <p:ph type="body" idx="49"/>
-          </p:nvPr>
-        </p:nvSpPr>
-        <p:spPr/>
-        <p:txBody>
-          <a:bodyPr>
-            <a:normAutofit/>
-          </a:bodyPr>
-          <a:lstStyle/>
-          <a:p>
-            <a:r>
-              <a:rPr lang="en-US" dirty="0"/>
-              <a:t>Lorem ipsum dolor sit amet, consectetuer adipiscing elit. Maecenas porttitor congue massa</a:t>
-            </a:r>
-          </a:p>
-        </p:txBody>
-      </p:sp>
-      <p:sp>
-        <p:nvSpPr>
-          <p:cNvPr id="9" name="Text Placeholder 8">
-            <a:extLst>
-              <a:ext uri="{FF2B5EF4-FFF2-40B4-BE49-F238E27FC236}">
-                <a16:creationId xmlns:a16="http://schemas.microsoft.com/office/drawing/2014/main" id="{C2738F0A-BCFB-484B-B7DA-199E69F14259}"/>
-              </a:ext>
-            </a:extLst>
-          </p:cNvPr>
-          <p:cNvSpPr>
-            <a:spLocks noGrp="1"/>
-          </p:cNvSpPr>
-          <p:nvPr>
-            <p:ph type="body" sz="quarter" idx="25"/>
+              <a:t>Email:</a:t>
+            </a:r>
+          </a:p>
+        </p:txBody>
+      </p:sp>
+      <p:sp>
+        <p:nvSpPr>
+          <p:cNvPr id="10" name="Text Placeholder 9">
+            <a:extLst>
+              <a:ext uri="{FF2B5EF4-FFF2-40B4-BE49-F238E27FC236}">
+                <a16:creationId xmlns:a16="http://schemas.microsoft.com/office/drawing/2014/main" id="{F2241E27-DB7F-42AE-9A03-F047CD2F1C45}"/>
+              </a:ext>
+            </a:extLst>
+          </p:cNvPr>
+          <p:cNvSpPr>
+            <a:spLocks noGrp="1"/>
+          </p:cNvSpPr>
+          <p:nvPr>
+            <p:ph type="body" sz="quarter" idx="20"/>
           </p:nvPr>
         </p:nvSpPr>
         <p:spPr/>
@@ -31155,31 +31237,26 @@
           <a:lstStyle/>
           <a:p>
             <a:r>
-              <a:rPr lang="en-US" dirty="0">
-                <a:solidFill>
-                  <a:schemeClr val="tx2"/>
-                </a:solidFill>
-                <a:latin typeface="+mj-lt"/>
-              </a:rPr>
-              <a:t>2018</a:t>
-            </a:r>
-          </a:p>
-        </p:txBody>
-      </p:sp>
-      <p:sp>
-        <p:nvSpPr>
-          <p:cNvPr id="10" name="Text Placeholder 9">
-            <a:extLst>
-              <a:ext uri="{FF2B5EF4-FFF2-40B4-BE49-F238E27FC236}">
-                <a16:creationId xmlns:a16="http://schemas.microsoft.com/office/drawing/2014/main" id="{B48F0B22-ACAA-4D8F-94CD-BA2E30D39D60}"/>
-              </a:ext>
-            </a:extLst>
-          </p:cNvPr>
-          <p:cNvSpPr>
-            <a:spLocks noGrp="1"/>
-          </p:cNvSpPr>
-          <p:nvPr>
-            <p:ph type="body" idx="32"/>
+              <a:rPr lang="en-US" dirty="0"/>
+              <a:t>cnermo@krakenyyc.com</a:t>
+            </a:r>
+          </a:p>
+        </p:txBody>
+      </p:sp>
+      <p:sp>
+        <p:nvSpPr>
+          <p:cNvPr id="4" name="Title 3">
+            <a:extLst>
+              <a:ext uri="{FF2B5EF4-FFF2-40B4-BE49-F238E27FC236}">
+                <a16:creationId xmlns:a16="http://schemas.microsoft.com/office/drawing/2014/main" id="{D09FEBCF-C81C-4F2F-9CC4-C66EF18BA158}"/>
+              </a:ext>
+            </a:extLst>
+          </p:cNvPr>
+          <p:cNvSpPr>
+            <a:spLocks noGrp="1"/>
+          </p:cNvSpPr>
+          <p:nvPr>
+            <p:ph type="title"/>
           </p:nvPr>
         </p:nvSpPr>
         <p:spPr/>
@@ -31189,83 +31266,68 @@
           <a:p>
             <a:r>
               <a:rPr lang="en-US" dirty="0"/>
-              <a:t>September 24</a:t>
-            </a:r>
-          </a:p>
-        </p:txBody>
-      </p:sp>
-      <p:sp>
-        <p:nvSpPr>
-          <p:cNvPr id="7" name="Text Placeholder 6">
-            <a:extLst>
-              <a:ext uri="{FF2B5EF4-FFF2-40B4-BE49-F238E27FC236}">
-                <a16:creationId xmlns:a16="http://schemas.microsoft.com/office/drawing/2014/main" id="{6885731A-F3C3-4B02-BF16-704EEF0F887A}"/>
-              </a:ext>
-            </a:extLst>
-          </p:cNvPr>
-          <p:cNvSpPr>
-            <a:spLocks noGrp="1"/>
-          </p:cNvSpPr>
-          <p:nvPr>
-            <p:ph type="body" idx="1"/>
-          </p:nvPr>
-        </p:nvSpPr>
-        <p:spPr/>
+              <a:t>THANK</a:t>
+            </a:r>
+            <a:br>
+              <a:rPr lang="en-US" dirty="0"/>
+            </a:br>
+            <a:r>
+              <a:rPr lang="en-US" dirty="0"/>
+              <a:t>YOU!</a:t>
+            </a:r>
+          </a:p>
+        </p:txBody>
+      </p:sp>
+      <p:sp>
+        <p:nvSpPr>
+          <p:cNvPr id="8" name="Text Placeholder 7">
+            <a:extLst>
+              <a:ext uri="{FF2B5EF4-FFF2-40B4-BE49-F238E27FC236}">
+                <a16:creationId xmlns:a16="http://schemas.microsoft.com/office/drawing/2014/main" id="{87D50CDE-8308-4F6D-BE73-E214E76CADE2}"/>
+              </a:ext>
+            </a:extLst>
+          </p:cNvPr>
+          <p:cNvSpPr>
+            <a:spLocks noGrp="1"/>
+          </p:cNvSpPr>
+          <p:nvPr>
+            <p:ph type="body" sz="quarter" idx="18"/>
+          </p:nvPr>
+        </p:nvSpPr>
+        <p:spPr>
+          <a:xfrm>
+            <a:off x="361245" y="5658102"/>
+            <a:ext cx="3575324" cy="280109"/>
+          </a:xfrm>
+        </p:spPr>
         <p:txBody>
           <a:bodyPr/>
           <a:lstStyle/>
           <a:p>
             <a:r>
-              <a:rPr lang="en-US" dirty="0"/>
-              <a:t>Point 1 Title</a:t>
-            </a:r>
-          </a:p>
-        </p:txBody>
-      </p:sp>
-      <p:sp>
-        <p:nvSpPr>
-          <p:cNvPr id="8" name="Text Placeholder 7">
-            <a:extLst>
-              <a:ext uri="{FF2B5EF4-FFF2-40B4-BE49-F238E27FC236}">
-                <a16:creationId xmlns:a16="http://schemas.microsoft.com/office/drawing/2014/main" id="{8E3E46FC-F5F9-4A10-BB16-EF6F235E39C9}"/>
-              </a:ext>
-            </a:extLst>
-          </p:cNvPr>
-          <p:cNvSpPr>
-            <a:spLocks noGrp="1"/>
-          </p:cNvSpPr>
-          <p:nvPr>
-            <p:ph type="body" sz="quarter" idx="13"/>
-          </p:nvPr>
-        </p:nvSpPr>
-        <p:spPr/>
-        <p:txBody>
-          <a:bodyPr>
-            <a:normAutofit/>
-          </a:bodyPr>
-          <a:lstStyle/>
-          <a:p>
-            <a:r>
-              <a:rPr lang="en-US" dirty="0"/>
-              <a:t>SQL Operations Studio is rebranded as Azure Data Studio</a:t>
-            </a:r>
-          </a:p>
-        </p:txBody>
-      </p:sp>
-      <p:sp>
-        <p:nvSpPr>
-          <p:cNvPr id="17" name="Text Placeholder 16">
-            <a:extLst>
-              <a:ext uri="{FF2B5EF4-FFF2-40B4-BE49-F238E27FC236}">
-                <a16:creationId xmlns:a16="http://schemas.microsoft.com/office/drawing/2014/main" id="{5EB63A93-33A9-457F-A398-C5075BCA6F92}"/>
-              </a:ext>
-            </a:extLst>
-          </p:cNvPr>
-          <p:cNvSpPr>
-            <a:spLocks noGrp="1"/>
-          </p:cNvSpPr>
-          <p:nvPr>
-            <p:ph type="body" sz="quarter" idx="39"/>
+              <a:rPr lang="en-CA" dirty="0">
+                <a:hlinkClick r:id="rId3"/>
+              </a:rPr>
+              <a:t>Carrie Nermo | LinkedIn</a:t>
+            </a:r>
+            <a:endParaRPr lang="en-US" dirty="0"/>
+          </a:p>
+        </p:txBody>
+      </p:sp>
+      <p:sp>
+        <p:nvSpPr>
+          <p:cNvPr id="11" name="Text Placeholder 10">
+            <a:extLst>
+              <a:ext uri="{FF2B5EF4-FFF2-40B4-BE49-F238E27FC236}">
+                <a16:creationId xmlns:a16="http://schemas.microsoft.com/office/drawing/2014/main" id="{2E6A9792-30C2-4B8D-9673-6D7E1BFE97BC}"/>
+              </a:ext>
+            </a:extLst>
+          </p:cNvPr>
+          <p:cNvSpPr>
+            <a:spLocks noGrp="1"/>
+          </p:cNvSpPr>
+          <p:nvPr>
+            <p:ph type="body" sz="quarter" idx="21"/>
           </p:nvPr>
         </p:nvSpPr>
         <p:spPr/>
@@ -31274,31 +31336,26 @@
           <a:lstStyle/>
           <a:p>
             <a:r>
-              <a:rPr lang="en-US" dirty="0">
-                <a:solidFill>
-                  <a:schemeClr val="tx2"/>
-                </a:solidFill>
-                <a:latin typeface="+mj-lt"/>
-              </a:rPr>
-              <a:t>20XX</a:t>
-            </a:r>
-          </a:p>
-        </p:txBody>
-      </p:sp>
-      <p:sp>
-        <p:nvSpPr>
-          <p:cNvPr id="18" name="Text Placeholder 17">
-            <a:extLst>
-              <a:ext uri="{FF2B5EF4-FFF2-40B4-BE49-F238E27FC236}">
-                <a16:creationId xmlns:a16="http://schemas.microsoft.com/office/drawing/2014/main" id="{1EABB9F3-E207-4E7F-84F4-A6371EAFF2EA}"/>
-              </a:ext>
-            </a:extLst>
-          </p:cNvPr>
-          <p:cNvSpPr>
-            <a:spLocks noGrp="1"/>
-          </p:cNvSpPr>
-          <p:nvPr>
-            <p:ph type="body" idx="40"/>
+              <a:rPr lang="en-US" dirty="0"/>
+              <a:t>Website:</a:t>
+            </a:r>
+          </a:p>
+        </p:txBody>
+      </p:sp>
+      <p:sp>
+        <p:nvSpPr>
+          <p:cNvPr id="12" name="Text Placeholder 11">
+            <a:extLst>
+              <a:ext uri="{FF2B5EF4-FFF2-40B4-BE49-F238E27FC236}">
+                <a16:creationId xmlns:a16="http://schemas.microsoft.com/office/drawing/2014/main" id="{BD8510FA-FCEE-41BD-9624-BB86CEBFC00E}"/>
+              </a:ext>
+            </a:extLst>
+          </p:cNvPr>
+          <p:cNvSpPr>
+            <a:spLocks noGrp="1"/>
+          </p:cNvSpPr>
+          <p:nvPr>
+            <p:ph type="body" sz="quarter" idx="22"/>
           </p:nvPr>
         </p:nvSpPr>
         <p:spPr/>
@@ -31308,432 +31365,17 @@
           <a:p>
             <a:r>
               <a:rPr lang="en-US" dirty="0"/>
-              <a:t>Month</a:t>
-            </a:r>
-          </a:p>
-        </p:txBody>
-      </p:sp>
-      <p:sp>
-        <p:nvSpPr>
-          <p:cNvPr id="15" name="Text Placeholder 14">
-            <a:extLst>
-              <a:ext uri="{FF2B5EF4-FFF2-40B4-BE49-F238E27FC236}">
-                <a16:creationId xmlns:a16="http://schemas.microsoft.com/office/drawing/2014/main" id="{364D3A41-4200-4390-8FD8-6FD5F771583E}"/>
-              </a:ext>
-            </a:extLst>
-          </p:cNvPr>
-          <p:cNvSpPr>
-            <a:spLocks noGrp="1"/>
-          </p:cNvSpPr>
-          <p:nvPr>
-            <p:ph type="body" idx="37"/>
-          </p:nvPr>
-        </p:nvSpPr>
-        <p:spPr/>
-        <p:txBody>
-          <a:bodyPr/>
-          <a:lstStyle/>
-          <a:p>
-            <a:r>
-              <a:rPr lang="en-US" dirty="0"/>
-              <a:t>Point 2 Title</a:t>
-            </a:r>
-          </a:p>
-        </p:txBody>
-      </p:sp>
-      <p:sp>
-        <p:nvSpPr>
-          <p:cNvPr id="16" name="Text Placeholder 15">
-            <a:extLst>
-              <a:ext uri="{FF2B5EF4-FFF2-40B4-BE49-F238E27FC236}">
-                <a16:creationId xmlns:a16="http://schemas.microsoft.com/office/drawing/2014/main" id="{3B17BE10-95BA-447C-A8AF-14CE0F562725}"/>
-              </a:ext>
-            </a:extLst>
-          </p:cNvPr>
-          <p:cNvSpPr>
-            <a:spLocks noGrp="1"/>
-          </p:cNvSpPr>
-          <p:nvPr>
-            <p:ph type="body" sz="quarter" idx="38"/>
-          </p:nvPr>
-        </p:nvSpPr>
-        <p:spPr/>
-        <p:txBody>
-          <a:bodyPr>
-            <a:normAutofit lnSpcReduction="10000"/>
-          </a:bodyPr>
-          <a:lstStyle/>
-          <a:p>
-            <a:r>
-              <a:rPr lang="en-US" dirty="0"/>
-              <a:t>Lorem ipsum dolor sit amet, consectetuer adipiscing elit. Maecenas porttitor congue massa. Fusce posuere, magna sed pulvinar ultricies, purus lectus malesuada libero</a:t>
-            </a:r>
-          </a:p>
-        </p:txBody>
-      </p:sp>
-      <p:sp>
-        <p:nvSpPr>
-          <p:cNvPr id="21" name="Text Placeholder 20">
-            <a:extLst>
-              <a:ext uri="{FF2B5EF4-FFF2-40B4-BE49-F238E27FC236}">
-                <a16:creationId xmlns:a16="http://schemas.microsoft.com/office/drawing/2014/main" id="{1B444521-A636-4136-A5ED-80B1AED128CC}"/>
-              </a:ext>
-            </a:extLst>
-          </p:cNvPr>
-          <p:cNvSpPr>
-            <a:spLocks noGrp="1"/>
-          </p:cNvSpPr>
-          <p:nvPr>
-            <p:ph type="body" sz="quarter" idx="43"/>
-          </p:nvPr>
-        </p:nvSpPr>
-        <p:spPr/>
-        <p:txBody>
-          <a:bodyPr/>
-          <a:lstStyle/>
-          <a:p>
-            <a:r>
-              <a:rPr lang="en-US" dirty="0">
-                <a:solidFill>
-                  <a:schemeClr val="tx2"/>
-                </a:solidFill>
-                <a:latin typeface="+mj-lt"/>
-              </a:rPr>
-              <a:t>20XX</a:t>
-            </a:r>
-          </a:p>
-        </p:txBody>
-      </p:sp>
-      <p:sp>
-        <p:nvSpPr>
-          <p:cNvPr id="22" name="Text Placeholder 21">
-            <a:extLst>
-              <a:ext uri="{FF2B5EF4-FFF2-40B4-BE49-F238E27FC236}">
-                <a16:creationId xmlns:a16="http://schemas.microsoft.com/office/drawing/2014/main" id="{3F9DDBCB-C684-4F8B-A03B-6466B18CCC00}"/>
-              </a:ext>
-            </a:extLst>
-          </p:cNvPr>
-          <p:cNvSpPr>
-            <a:spLocks noGrp="1"/>
-          </p:cNvSpPr>
-          <p:nvPr>
-            <p:ph type="body" idx="44"/>
-          </p:nvPr>
-        </p:nvSpPr>
-        <p:spPr/>
-        <p:txBody>
-          <a:bodyPr/>
-          <a:lstStyle/>
-          <a:p>
-            <a:r>
-              <a:rPr lang="en-US" dirty="0"/>
-              <a:t>Month</a:t>
-            </a:r>
-          </a:p>
-        </p:txBody>
-      </p:sp>
-      <p:sp>
-        <p:nvSpPr>
-          <p:cNvPr id="19" name="Text Placeholder 18">
-            <a:extLst>
-              <a:ext uri="{FF2B5EF4-FFF2-40B4-BE49-F238E27FC236}">
-                <a16:creationId xmlns:a16="http://schemas.microsoft.com/office/drawing/2014/main" id="{8EB9393B-E309-45A6-8756-57C51D083CFE}"/>
-              </a:ext>
-            </a:extLst>
-          </p:cNvPr>
-          <p:cNvSpPr>
-            <a:spLocks noGrp="1"/>
-          </p:cNvSpPr>
-          <p:nvPr>
-            <p:ph type="body" idx="41"/>
-          </p:nvPr>
-        </p:nvSpPr>
-        <p:spPr/>
-        <p:txBody>
-          <a:bodyPr/>
-          <a:lstStyle/>
-          <a:p>
-            <a:r>
-              <a:rPr lang="en-US" dirty="0"/>
-              <a:t>Point 3 Title</a:t>
-            </a:r>
-          </a:p>
-        </p:txBody>
-      </p:sp>
-      <p:sp>
-        <p:nvSpPr>
-          <p:cNvPr id="20" name="Text Placeholder 19">
-            <a:extLst>
-              <a:ext uri="{FF2B5EF4-FFF2-40B4-BE49-F238E27FC236}">
-                <a16:creationId xmlns:a16="http://schemas.microsoft.com/office/drawing/2014/main" id="{13E1E37E-D3EE-41DF-9201-3607EE7A6FDE}"/>
-              </a:ext>
-            </a:extLst>
-          </p:cNvPr>
-          <p:cNvSpPr>
-            <a:spLocks noGrp="1"/>
-          </p:cNvSpPr>
-          <p:nvPr>
-            <p:ph type="body" sz="quarter" idx="42"/>
-          </p:nvPr>
-        </p:nvSpPr>
-        <p:spPr/>
-        <p:txBody>
-          <a:bodyPr>
-            <a:normAutofit lnSpcReduction="10000"/>
-          </a:bodyPr>
-          <a:lstStyle/>
-          <a:p>
-            <a:r>
-              <a:rPr lang="en-US" dirty="0"/>
-              <a:t>Lorem ipsum dolor sit amet, consectetuer adipiscing elit. Maecenas porttitor congue massa. Fusce posuere, magna sed pulvinar ultricies, purus lectus malesuada libero</a:t>
-            </a:r>
-          </a:p>
-        </p:txBody>
-      </p:sp>
-      <p:sp>
-        <p:nvSpPr>
-          <p:cNvPr id="25" name="Text Placeholder 24">
-            <a:extLst>
-              <a:ext uri="{FF2B5EF4-FFF2-40B4-BE49-F238E27FC236}">
-                <a16:creationId xmlns:a16="http://schemas.microsoft.com/office/drawing/2014/main" id="{6C5BA5E4-913F-454E-A3C4-4652265A477B}"/>
-              </a:ext>
-            </a:extLst>
-          </p:cNvPr>
-          <p:cNvSpPr>
-            <a:spLocks noGrp="1"/>
-          </p:cNvSpPr>
-          <p:nvPr>
-            <p:ph type="body" sz="quarter" idx="47"/>
-          </p:nvPr>
-        </p:nvSpPr>
-        <p:spPr/>
-        <p:txBody>
-          <a:bodyPr/>
-          <a:lstStyle/>
-          <a:p>
-            <a:r>
-              <a:rPr lang="en-US" dirty="0">
-                <a:solidFill>
-                  <a:schemeClr val="tx2"/>
-                </a:solidFill>
-                <a:latin typeface="+mj-lt"/>
-              </a:rPr>
-              <a:t>20XX</a:t>
-            </a:r>
-          </a:p>
-        </p:txBody>
-      </p:sp>
-      <p:sp>
-        <p:nvSpPr>
-          <p:cNvPr id="26" name="Text Placeholder 25">
-            <a:extLst>
-              <a:ext uri="{FF2B5EF4-FFF2-40B4-BE49-F238E27FC236}">
-                <a16:creationId xmlns:a16="http://schemas.microsoft.com/office/drawing/2014/main" id="{03CECE71-5FC5-491E-948F-D27764623B6A}"/>
-              </a:ext>
-            </a:extLst>
-          </p:cNvPr>
-          <p:cNvSpPr>
-            <a:spLocks noGrp="1"/>
-          </p:cNvSpPr>
-          <p:nvPr>
-            <p:ph type="body" idx="48"/>
-          </p:nvPr>
-        </p:nvSpPr>
-        <p:spPr/>
-        <p:txBody>
-          <a:bodyPr/>
-          <a:lstStyle/>
-          <a:p>
-            <a:r>
-              <a:rPr lang="en-US" dirty="0"/>
-              <a:t>Month</a:t>
-            </a:r>
-          </a:p>
-        </p:txBody>
-      </p:sp>
-      <p:sp>
-        <p:nvSpPr>
-          <p:cNvPr id="23" name="Text Placeholder 22">
-            <a:extLst>
-              <a:ext uri="{FF2B5EF4-FFF2-40B4-BE49-F238E27FC236}">
-                <a16:creationId xmlns:a16="http://schemas.microsoft.com/office/drawing/2014/main" id="{7CE0EE1F-F135-460D-A41D-B8590BA15529}"/>
-              </a:ext>
-            </a:extLst>
-          </p:cNvPr>
-          <p:cNvSpPr>
-            <a:spLocks noGrp="1"/>
-          </p:cNvSpPr>
-          <p:nvPr>
-            <p:ph type="body" idx="45"/>
-          </p:nvPr>
-        </p:nvSpPr>
-        <p:spPr/>
-        <p:txBody>
-          <a:bodyPr/>
-          <a:lstStyle/>
-          <a:p>
-            <a:r>
-              <a:rPr lang="en-US" dirty="0"/>
-              <a:t>Point 4 Title</a:t>
-            </a:r>
-          </a:p>
-        </p:txBody>
-      </p:sp>
-      <p:sp>
-        <p:nvSpPr>
-          <p:cNvPr id="24" name="Text Placeholder 23">
-            <a:extLst>
-              <a:ext uri="{FF2B5EF4-FFF2-40B4-BE49-F238E27FC236}">
-                <a16:creationId xmlns:a16="http://schemas.microsoft.com/office/drawing/2014/main" id="{55AD99B0-C6C9-4D5C-8AE7-BE7081DD2D1E}"/>
-              </a:ext>
-            </a:extLst>
-          </p:cNvPr>
-          <p:cNvSpPr>
-            <a:spLocks noGrp="1"/>
-          </p:cNvSpPr>
-          <p:nvPr>
-            <p:ph type="body" sz="quarter" idx="46"/>
-          </p:nvPr>
-        </p:nvSpPr>
-        <p:spPr/>
-        <p:txBody>
-          <a:bodyPr>
-            <a:normAutofit lnSpcReduction="10000"/>
-          </a:bodyPr>
-          <a:lstStyle/>
-          <a:p>
-            <a:r>
-              <a:rPr lang="en-US" dirty="0"/>
-              <a:t>Lorem ipsum dolor sit amet, consectetuer adipiscing elit. Maecenas porttitor congue massa. Fusce posuere, magna sed pulvinar ultricies, purus lectus malesuada libero</a:t>
-            </a:r>
-          </a:p>
-        </p:txBody>
-      </p:sp>
-      <p:sp>
-        <p:nvSpPr>
-          <p:cNvPr id="13" name="Text Placeholder 12">
-            <a:extLst>
-              <a:ext uri="{FF2B5EF4-FFF2-40B4-BE49-F238E27FC236}">
-                <a16:creationId xmlns:a16="http://schemas.microsoft.com/office/drawing/2014/main" id="{84CFCE55-03B2-469C-A18E-FA32C0106553}"/>
-              </a:ext>
-            </a:extLst>
-          </p:cNvPr>
-          <p:cNvSpPr>
-            <a:spLocks noGrp="1"/>
-          </p:cNvSpPr>
-          <p:nvPr>
-            <p:ph type="body" sz="quarter" idx="35"/>
-          </p:nvPr>
-        </p:nvSpPr>
-        <p:spPr/>
-        <p:txBody>
-          <a:bodyPr/>
-          <a:lstStyle/>
-          <a:p>
-            <a:r>
-              <a:rPr lang="en-US" dirty="0">
-                <a:solidFill>
-                  <a:schemeClr val="tx2"/>
-                </a:solidFill>
-                <a:latin typeface="+mj-lt"/>
-              </a:rPr>
-              <a:t>20XX</a:t>
-            </a:r>
-          </a:p>
-        </p:txBody>
-      </p:sp>
-      <p:sp>
-        <p:nvSpPr>
-          <p:cNvPr id="14" name="Text Placeholder 13">
-            <a:extLst>
-              <a:ext uri="{FF2B5EF4-FFF2-40B4-BE49-F238E27FC236}">
-                <a16:creationId xmlns:a16="http://schemas.microsoft.com/office/drawing/2014/main" id="{CB381EB7-5AD6-4E41-937C-9AB6F683A3ED}"/>
-              </a:ext>
-            </a:extLst>
-          </p:cNvPr>
-          <p:cNvSpPr>
-            <a:spLocks noGrp="1"/>
-          </p:cNvSpPr>
-          <p:nvPr>
-            <p:ph type="body" idx="36"/>
-          </p:nvPr>
-        </p:nvSpPr>
-        <p:spPr/>
-        <p:txBody>
-          <a:bodyPr/>
-          <a:lstStyle/>
-          <a:p>
-            <a:r>
-              <a:rPr lang="en-US" dirty="0"/>
-              <a:t>Month</a:t>
-            </a:r>
-          </a:p>
-        </p:txBody>
-      </p:sp>
-      <p:sp>
-        <p:nvSpPr>
-          <p:cNvPr id="11" name="Text Placeholder 10">
-            <a:extLst>
-              <a:ext uri="{FF2B5EF4-FFF2-40B4-BE49-F238E27FC236}">
-                <a16:creationId xmlns:a16="http://schemas.microsoft.com/office/drawing/2014/main" id="{1AA062B9-B36C-456F-8653-7F1C9DDDA22F}"/>
-              </a:ext>
-            </a:extLst>
-          </p:cNvPr>
-          <p:cNvSpPr>
-            <a:spLocks noGrp="1"/>
-          </p:cNvSpPr>
-          <p:nvPr>
-            <p:ph type="body" idx="33"/>
-          </p:nvPr>
-        </p:nvSpPr>
-        <p:spPr/>
-        <p:txBody>
-          <a:bodyPr/>
-          <a:lstStyle/>
-          <a:p>
-            <a:r>
-              <a:rPr lang="en-US" dirty="0"/>
-              <a:t>Point 5 Title</a:t>
-            </a:r>
-          </a:p>
-        </p:txBody>
-      </p:sp>
-      <p:sp>
-        <p:nvSpPr>
-          <p:cNvPr id="12" name="Text Placeholder 11">
-            <a:extLst>
-              <a:ext uri="{FF2B5EF4-FFF2-40B4-BE49-F238E27FC236}">
-                <a16:creationId xmlns:a16="http://schemas.microsoft.com/office/drawing/2014/main" id="{7819873B-BF5B-4AA1-8212-352CEDD7D491}"/>
-              </a:ext>
-            </a:extLst>
-          </p:cNvPr>
-          <p:cNvSpPr>
-            <a:spLocks noGrp="1"/>
-          </p:cNvSpPr>
-          <p:nvPr>
-            <p:ph type="body" sz="quarter" idx="34"/>
-          </p:nvPr>
-        </p:nvSpPr>
-        <p:spPr/>
-        <p:txBody>
-          <a:bodyPr>
-            <a:normAutofit lnSpcReduction="10000"/>
-          </a:bodyPr>
-          <a:lstStyle/>
-          <a:p>
-            <a:r>
-              <a:rPr lang="en-US" dirty="0"/>
-              <a:t>Lorem ipsum dolor sit amet, consectetuer adipiscing elit. Maecenas porttitor congue massa. Fusce posuere, magna sed pulvinar ultricies, purus lectus malesuada libero</a:t>
-            </a:r>
-          </a:p>
-        </p:txBody>
-      </p:sp>
-      <p:sp>
-        <p:nvSpPr>
-          <p:cNvPr id="4" name="Slide Number Placeholder 3">
-            <a:extLst>
-              <a:ext uri="{FF2B5EF4-FFF2-40B4-BE49-F238E27FC236}">
-                <a16:creationId xmlns:a16="http://schemas.microsoft.com/office/drawing/2014/main" id="{8D77D1DC-9AC7-4E07-A59D-7EFD6FD62D14}"/>
+              <a:t>Coming soon - 2021</a:t>
+            </a:r>
+          </a:p>
+        </p:txBody>
+      </p:sp>
+      <p:sp>
+        <p:nvSpPr>
+          <p:cNvPr id="3" name="Slide Number Placeholder 2">
+            <a:extLst>
+              <a:ext uri="{FF2B5EF4-FFF2-40B4-BE49-F238E27FC236}">
+                <a16:creationId xmlns:a16="http://schemas.microsoft.com/office/drawing/2014/main" id="{E6CEB35D-FF82-440C-ADC2-65C836A4001D}"/>
               </a:ext>
             </a:extLst>
           </p:cNvPr>
@@ -31757,10 +31399,39 @@
           </a:p>
         </p:txBody>
       </p:sp>
+      <p:pic>
+        <p:nvPicPr>
+          <p:cNvPr id="7" name="Picture Placeholder 6" descr="A picture containing logo&#10;&#10;Description automatically generated">
+            <a:extLst>
+              <a:ext uri="{FF2B5EF4-FFF2-40B4-BE49-F238E27FC236}">
+                <a16:creationId xmlns:a16="http://schemas.microsoft.com/office/drawing/2014/main" id="{A8403FFB-8D04-41F4-97AC-EBDF3851743A}"/>
+              </a:ext>
+            </a:extLst>
+          </p:cNvPr>
+          <p:cNvPicPr>
+            <a:picLocks noGrp="1" noChangeAspect="1"/>
+          </p:cNvPicPr>
+          <p:nvPr>
+            <p:ph type="pic" sz="quarter" idx="16"/>
+          </p:nvPr>
+        </p:nvPicPr>
+        <p:blipFill rotWithShape="1">
+          <a:blip r:embed="rId4"/>
+          <a:srcRect t="15473" b="15473"/>
+          <a:stretch>
+            <a:fillRect/>
+          </a:stretch>
+        </p:blipFill>
+        <p:spPr>
+          <a:solidFill>
+            <a:schemeClr val="accent1"/>
+          </a:solidFill>
+        </p:spPr>
+      </p:pic>
     </p:spTree>
     <p:extLst>
       <p:ext uri="{BB962C8B-B14F-4D97-AF65-F5344CB8AC3E}">
-        <p14:creationId xmlns:p14="http://schemas.microsoft.com/office/powerpoint/2010/main" val="921617901"/>
+        <p14:creationId xmlns:p14="http://schemas.microsoft.com/office/powerpoint/2010/main" val="3953844005"/>
       </p:ext>
     </p:extLst>
   </p:cSld>
@@ -31787,742 +31458,110 @@
           <a:chExt cx="0" cy="0"/>
         </a:xfrm>
       </p:grpSpPr>
-      <p:sp>
-        <p:nvSpPr>
-          <p:cNvPr id="4" name="Slide Number Placeholder 3">
-            <a:extLst>
-              <a:ext uri="{FF2B5EF4-FFF2-40B4-BE49-F238E27FC236}">
-                <a16:creationId xmlns:a16="http://schemas.microsoft.com/office/drawing/2014/main" id="{DB4D966F-0CC8-432A-975B-BA0BD8ABB9FF}"/>
-              </a:ext>
-            </a:extLst>
-          </p:cNvPr>
-          <p:cNvSpPr>
-            <a:spLocks noGrp="1"/>
-          </p:cNvSpPr>
-          <p:nvPr>
-            <p:ph type="sldNum" sz="quarter" idx="12"/>
-          </p:nvPr>
-        </p:nvSpPr>
-        <p:spPr/>
-        <p:txBody>
-          <a:bodyPr/>
-          <a:lstStyle/>
-          <a:p>
-            <a:fld id="{D9BB3731-526F-4638-85F8-715D717FFC12}" type="slidenum">
-              <a:rPr lang="en-US" noProof="0" smtClean="0"/>
-              <a:t>13</a:t>
-            </a:fld>
-            <a:endParaRPr lang="en-US" noProof="0" dirty="0"/>
-          </a:p>
-        </p:txBody>
-      </p:sp>
-      <p:sp>
-        <p:nvSpPr>
-          <p:cNvPr id="5" name="Title 4">
-            <a:extLst>
-              <a:ext uri="{FF2B5EF4-FFF2-40B4-BE49-F238E27FC236}">
-                <a16:creationId xmlns:a16="http://schemas.microsoft.com/office/drawing/2014/main" id="{55C09DFF-0627-4728-9C91-2EB6A5DF6824}"/>
-              </a:ext>
-            </a:extLst>
-          </p:cNvPr>
-          <p:cNvSpPr>
-            <a:spLocks noGrp="1"/>
-          </p:cNvSpPr>
-          <p:nvPr>
-            <p:ph type="title"/>
-          </p:nvPr>
-        </p:nvSpPr>
-        <p:spPr/>
-        <p:txBody>
-          <a:bodyPr/>
-          <a:lstStyle/>
-          <a:p>
-            <a:r>
-              <a:rPr lang="en-US" dirty="0"/>
-              <a:t>DEMO TIME</a:t>
-            </a:r>
-            <a:endParaRPr lang="en-CA" dirty="0"/>
-          </a:p>
-        </p:txBody>
-      </p:sp>
-      <p:sp>
-        <p:nvSpPr>
-          <p:cNvPr id="6" name="Text Placeholder 5">
-            <a:extLst>
-              <a:ext uri="{FF2B5EF4-FFF2-40B4-BE49-F238E27FC236}">
-                <a16:creationId xmlns:a16="http://schemas.microsoft.com/office/drawing/2014/main" id="{899E9F86-06DB-4456-A7C9-A48F2CA0D216}"/>
-              </a:ext>
-            </a:extLst>
-          </p:cNvPr>
-          <p:cNvSpPr>
-            <a:spLocks noGrp="1"/>
-          </p:cNvSpPr>
-          <p:nvPr>
-            <p:ph type="body" idx="1"/>
-          </p:nvPr>
-        </p:nvSpPr>
-        <p:spPr/>
-        <p:txBody>
-          <a:bodyPr/>
-          <a:lstStyle/>
-          <a:p>
-            <a:r>
-              <a:rPr lang="en-US" dirty="0"/>
-              <a:t>2 short items</a:t>
-            </a:r>
-            <a:endParaRPr lang="en-CA" dirty="0"/>
-          </a:p>
-        </p:txBody>
-      </p:sp>
-      <p:sp>
-        <p:nvSpPr>
-          <p:cNvPr id="7" name="Text Placeholder 6">
-            <a:extLst>
-              <a:ext uri="{FF2B5EF4-FFF2-40B4-BE49-F238E27FC236}">
-                <a16:creationId xmlns:a16="http://schemas.microsoft.com/office/drawing/2014/main" id="{E3323AC4-42F0-47F1-A5C0-6A9677480540}"/>
-              </a:ext>
-            </a:extLst>
-          </p:cNvPr>
-          <p:cNvSpPr>
-            <a:spLocks noGrp="1"/>
-          </p:cNvSpPr>
-          <p:nvPr>
-            <p:ph type="body" idx="13"/>
-          </p:nvPr>
-        </p:nvSpPr>
-        <p:spPr/>
-        <p:txBody>
-          <a:bodyPr/>
-          <a:lstStyle/>
-          <a:p>
-            <a:r>
-              <a:rPr lang="en-US" dirty="0" err="1"/>
-              <a:t>SandDance</a:t>
-            </a:r>
-            <a:endParaRPr lang="en-US"/>
-          </a:p>
-          <a:p>
-            <a:endParaRPr lang="en-CA"/>
-          </a:p>
-        </p:txBody>
-      </p:sp>
-      <p:sp>
-        <p:nvSpPr>
-          <p:cNvPr id="9" name="Picture Placeholder 8">
-            <a:extLst>
-              <a:ext uri="{FF2B5EF4-FFF2-40B4-BE49-F238E27FC236}">
-                <a16:creationId xmlns:a16="http://schemas.microsoft.com/office/drawing/2014/main" id="{D66DD5A7-DC01-451F-811C-9B29F7BF9369}"/>
-              </a:ext>
-            </a:extLst>
-          </p:cNvPr>
-          <p:cNvSpPr>
-            <a:spLocks noGrp="1"/>
-          </p:cNvSpPr>
-          <p:nvPr>
-            <p:ph type="pic" sz="quarter" idx="16"/>
-          </p:nvPr>
-        </p:nvSpPr>
-        <p:spPr/>
-      </p:sp>
-      <p:pic>
-        <p:nvPicPr>
-          <p:cNvPr id="15" name="Picture Placeholder 14" descr="A picture containing icon&#10;&#10;Description automatically generated">
-            <a:extLst>
-              <a:ext uri="{FF2B5EF4-FFF2-40B4-BE49-F238E27FC236}">
-                <a16:creationId xmlns:a16="http://schemas.microsoft.com/office/drawing/2014/main" id="{13FF6DF3-EFE2-4E29-B599-6C6236030F2B}"/>
-              </a:ext>
-            </a:extLst>
-          </p:cNvPr>
-          <p:cNvPicPr>
-            <a:picLocks noGrp="1" noChangeAspect="1"/>
-          </p:cNvPicPr>
-          <p:nvPr>
-            <p:ph type="pic" sz="quarter" idx="14"/>
-          </p:nvPr>
-        </p:nvPicPr>
-        <p:blipFill rotWithShape="1">
-          <a:blip r:embed="rId2"/>
-          <a:srcRect l="5340" r="5340"/>
-          <a:stretch>
-            <a:fillRect/>
-          </a:stretch>
-        </p:blipFill>
-        <p:spPr/>
-      </p:pic>
+      <p:grpSp>
+        <p:nvGrpSpPr>
+          <p:cNvPr id="16" name="Group 15">
+            <a:extLst>
+              <a:ext uri="{FF2B5EF4-FFF2-40B4-BE49-F238E27FC236}">
+                <a16:creationId xmlns:a16="http://schemas.microsoft.com/office/drawing/2014/main" id="{A88811BE-C8B7-4620-AE2A-F22231892DFD}"/>
+              </a:ext>
+            </a:extLst>
+          </p:cNvPr>
+          <p:cNvGrpSpPr/>
+          <p:nvPr/>
+        </p:nvGrpSpPr>
+        <p:grpSpPr>
+          <a:xfrm>
+            <a:off x="2667000" y="863695"/>
+            <a:ext cx="6858000" cy="5130609"/>
+            <a:chOff x="2667000" y="863695"/>
+            <a:chExt cx="6858000" cy="5130609"/>
+          </a:xfrm>
+        </p:grpSpPr>
+        <p:pic>
+          <p:nvPicPr>
+            <p:cNvPr id="11" name="Picture 10">
+              <a:extLst>
+                <a:ext uri="{FF2B5EF4-FFF2-40B4-BE49-F238E27FC236}">
+                  <a16:creationId xmlns:a16="http://schemas.microsoft.com/office/drawing/2014/main" id="{BD5A6BBE-56EE-487E-9A24-76A39DE9A421}"/>
+                </a:ext>
+              </a:extLst>
+            </p:cNvPr>
+            <p:cNvPicPr>
+              <a:picLocks noChangeAspect="1"/>
+            </p:cNvPicPr>
+            <p:nvPr/>
+          </p:nvPicPr>
+          <p:blipFill>
+            <a:blip r:embed="rId2"/>
+            <a:stretch>
+              <a:fillRect/>
+            </a:stretch>
+          </p:blipFill>
+          <p:spPr>
+            <a:xfrm>
+              <a:off x="2667000" y="863695"/>
+              <a:ext cx="6858000" cy="5130609"/>
+            </a:xfrm>
+            <a:prstGeom prst="rect">
+              <a:avLst/>
+            </a:prstGeom>
+          </p:spPr>
+        </p:pic>
+        <p:sp>
+          <p:nvSpPr>
+            <p:cNvPr id="15" name="TextBox 14">
+              <a:extLst>
+                <a:ext uri="{FF2B5EF4-FFF2-40B4-BE49-F238E27FC236}">
+                  <a16:creationId xmlns:a16="http://schemas.microsoft.com/office/drawing/2014/main" id="{F89DB3CA-1B12-438B-9A29-2C9ED146C61A}"/>
+                </a:ext>
+              </a:extLst>
+            </p:cNvPr>
+            <p:cNvSpPr txBox="1"/>
+            <p:nvPr/>
+          </p:nvSpPr>
+          <p:spPr>
+            <a:xfrm>
+              <a:off x="2667000" y="863695"/>
+              <a:ext cx="6858000" cy="720000"/>
+            </a:xfrm>
+            <a:prstGeom prst="rect">
+              <a:avLst/>
+            </a:prstGeom>
+            <a:solidFill>
+              <a:srgbClr val="004450"/>
+            </a:solidFill>
+          </p:spPr>
+          <p:txBody>
+            <a:bodyPr wrap="square" rtlCol="0">
+              <a:spAutoFit/>
+            </a:bodyPr>
+            <a:lstStyle/>
+            <a:p>
+              <a:pPr algn="ctr"/>
+              <a:r>
+                <a:rPr lang="en-US" sz="3200" b="1" dirty="0">
+                  <a:solidFill>
+                    <a:schemeClr val="bg1"/>
+                  </a:solidFill>
+                  <a:latin typeface="GeorAMA" panose="020B0000030200020004" pitchFamily="34" charset="0"/>
+                </a:rPr>
+                <a:t>What’s your 2021 data mantra?</a:t>
+              </a:r>
+              <a:endParaRPr lang="en-CA" sz="3200" b="1" dirty="0">
+                <a:solidFill>
+                  <a:schemeClr val="bg1"/>
+                </a:solidFill>
+                <a:latin typeface="GeorAMA" panose="020B0000030200020004" pitchFamily="34" charset="0"/>
+              </a:endParaRPr>
+            </a:p>
+          </p:txBody>
+        </p:sp>
+      </p:grpSp>
     </p:spTree>
     <p:extLst>
       <p:ext uri="{BB962C8B-B14F-4D97-AF65-F5344CB8AC3E}">
-        <p14:creationId xmlns:p14="http://schemas.microsoft.com/office/powerpoint/2010/main" val="1500403065"/>
-      </p:ext>
-    </p:extLst>
-  </p:cSld>
-  <p:clrMapOvr>
-    <a:masterClrMapping/>
-  </p:clrMapOvr>
-</p:sld>
-</file>
-
-<file path=ppt/slides/slide14.xml><?xml version="1.0" encoding="utf-8"?>
-<p:sld xmlns:a="http://schemas.openxmlformats.org/drawingml/2006/main" xmlns:r="http://schemas.openxmlformats.org/officeDocument/2006/relationships" xmlns:p="http://schemas.openxmlformats.org/presentationml/2006/main">
-  <p:cSld>
-    <p:spTree>
-      <p:nvGrpSpPr>
-        <p:cNvPr id="1" name=""/>
-        <p:cNvGrpSpPr/>
-        <p:nvPr/>
-      </p:nvGrpSpPr>
-      <p:grpSpPr>
-        <a:xfrm>
-          <a:off x="0" y="0"/>
-          <a:ext cx="0" cy="0"/>
-          <a:chOff x="0" y="0"/>
-          <a:chExt cx="0" cy="0"/>
-        </a:xfrm>
-      </p:grpSpPr>
-      <p:pic>
-        <p:nvPicPr>
-          <p:cNvPr id="20" name="Picture Placeholder 19" descr="Skyscrapers">
-            <a:extLst>
-              <a:ext uri="{FF2B5EF4-FFF2-40B4-BE49-F238E27FC236}">
-                <a16:creationId xmlns:a16="http://schemas.microsoft.com/office/drawing/2014/main" id="{62D5A589-EFF5-47EB-86A4-0D54CA10014F}"/>
-              </a:ext>
-            </a:extLst>
-          </p:cNvPr>
-          <p:cNvPicPr>
-            <a:picLocks noGrp="1" noChangeAspect="1"/>
-          </p:cNvPicPr>
-          <p:nvPr>
-            <p:ph type="pic" sz="quarter" idx="14"/>
-          </p:nvPr>
-        </p:nvPicPr>
-        <p:blipFill>
-          <a:blip r:embed="rId2">
-            <a:extLst>
-              <a:ext uri="{28A0092B-C50C-407E-A947-70E740481C1C}">
-                <a14:useLocalDpi xmlns:a14="http://schemas.microsoft.com/office/drawing/2010/main" val="0"/>
-              </a:ext>
-            </a:extLst>
-          </a:blip>
-          <a:srcRect/>
-          <a:stretch>
-            <a:fillRect/>
-          </a:stretch>
-        </p:blipFill>
-        <p:spPr>
-          <a:xfrm>
-            <a:off x="0" y="0"/>
-            <a:ext cx="5267325" cy="5829300"/>
-          </a:xfrm>
-        </p:spPr>
-      </p:pic>
-      <p:pic>
-        <p:nvPicPr>
-          <p:cNvPr id="22" name="Picture Placeholder 21" descr="Company logo">
-            <a:extLst>
-              <a:ext uri="{FF2B5EF4-FFF2-40B4-BE49-F238E27FC236}">
-                <a16:creationId xmlns:a16="http://schemas.microsoft.com/office/drawing/2014/main" id="{A99F4ABB-EB23-40CD-8FEC-C2968264BCFC}"/>
-              </a:ext>
-            </a:extLst>
-          </p:cNvPr>
-          <p:cNvPicPr>
-            <a:picLocks noGrp="1" noChangeAspect="1"/>
-          </p:cNvPicPr>
-          <p:nvPr>
-            <p:ph type="pic" sz="quarter" idx="16"/>
-          </p:nvPr>
-        </p:nvPicPr>
-        <p:blipFill>
-          <a:blip r:embed="rId3">
-            <a:extLst>
-              <a:ext uri="{28A0092B-C50C-407E-A947-70E740481C1C}">
-                <a14:useLocalDpi xmlns:a14="http://schemas.microsoft.com/office/drawing/2010/main" val="0"/>
-              </a:ext>
-              <a:ext uri="{96DAC541-7B7A-43D3-8B79-37D633B846F1}">
-                <asvg:svgBlip xmlns:asvg="http://schemas.microsoft.com/office/drawing/2016/SVG/main" r:embed="rId4"/>
-              </a:ext>
-            </a:extLst>
-          </a:blip>
-          <a:srcRect t="480" b="480"/>
-          <a:stretch>
-            <a:fillRect/>
-          </a:stretch>
-        </p:blipFill>
-        <p:spPr/>
-      </p:pic>
-      <p:sp>
-        <p:nvSpPr>
-          <p:cNvPr id="5" name="Title 4">
-            <a:extLst>
-              <a:ext uri="{FF2B5EF4-FFF2-40B4-BE49-F238E27FC236}">
-                <a16:creationId xmlns:a16="http://schemas.microsoft.com/office/drawing/2014/main" id="{0726947E-2FAB-418C-8C21-3B37792626F9}"/>
-              </a:ext>
-            </a:extLst>
-          </p:cNvPr>
-          <p:cNvSpPr>
-            <a:spLocks noGrp="1"/>
-          </p:cNvSpPr>
-          <p:nvPr>
-            <p:ph type="title"/>
-          </p:nvPr>
-        </p:nvSpPr>
-        <p:spPr/>
-        <p:txBody>
-          <a:bodyPr/>
-          <a:lstStyle/>
-          <a:p>
-            <a:r>
-              <a:rPr lang="en-US" dirty="0"/>
-              <a:t>SUMMARY</a:t>
-            </a:r>
-          </a:p>
-        </p:txBody>
-      </p:sp>
-      <p:sp>
-        <p:nvSpPr>
-          <p:cNvPr id="6" name="Text Placeholder 5">
-            <a:extLst>
-              <a:ext uri="{FF2B5EF4-FFF2-40B4-BE49-F238E27FC236}">
-                <a16:creationId xmlns:a16="http://schemas.microsoft.com/office/drawing/2014/main" id="{A8AAB1F4-27F4-4B2A-A912-9E212860537F}"/>
-              </a:ext>
-            </a:extLst>
-          </p:cNvPr>
-          <p:cNvSpPr>
-            <a:spLocks noGrp="1"/>
-          </p:cNvSpPr>
-          <p:nvPr>
-            <p:ph type="body" idx="1"/>
-          </p:nvPr>
-        </p:nvSpPr>
-        <p:spPr/>
-        <p:txBody>
-          <a:bodyPr/>
-          <a:lstStyle/>
-          <a:p>
-            <a:r>
-              <a:rPr lang="en-US" dirty="0"/>
-              <a:t>There is more to come with Azure Data Studio</a:t>
-            </a:r>
-          </a:p>
-        </p:txBody>
-      </p:sp>
-      <p:sp>
-        <p:nvSpPr>
-          <p:cNvPr id="7" name="Text Placeholder 6">
-            <a:extLst>
-              <a:ext uri="{FF2B5EF4-FFF2-40B4-BE49-F238E27FC236}">
-                <a16:creationId xmlns:a16="http://schemas.microsoft.com/office/drawing/2014/main" id="{3FE9A580-54CD-4CFC-960E-E92CFF7D9E1D}"/>
-              </a:ext>
-            </a:extLst>
-          </p:cNvPr>
-          <p:cNvSpPr>
-            <a:spLocks noGrp="1"/>
-          </p:cNvSpPr>
-          <p:nvPr>
-            <p:ph type="body" idx="13"/>
-          </p:nvPr>
-        </p:nvSpPr>
-        <p:spPr/>
-        <p:txBody>
-          <a:bodyPr>
-            <a:normAutofit/>
-          </a:bodyPr>
-          <a:lstStyle/>
-          <a:p>
-            <a:r>
-              <a:rPr lang="en-CA" dirty="0">
-                <a:hlinkClick r:id="rId5"/>
-              </a:rPr>
-              <a:t>GitHub  </a:t>
-            </a:r>
-            <a:r>
-              <a:rPr lang="en-CA" dirty="0" err="1">
-                <a:hlinkClick r:id="rId5"/>
-              </a:rPr>
-              <a:t>microsoft</a:t>
-            </a:r>
-            <a:r>
-              <a:rPr lang="en-CA" dirty="0">
-                <a:hlinkClick r:id="rId5"/>
-              </a:rPr>
-              <a:t>/</a:t>
-            </a:r>
-            <a:r>
-              <a:rPr lang="en-CA" dirty="0" err="1">
-                <a:hlinkClick r:id="rId5"/>
-              </a:rPr>
-              <a:t>azuredatastudio</a:t>
-            </a:r>
-            <a:r>
-              <a:rPr lang="en-CA" dirty="0">
-                <a:hlinkClick r:id="rId5"/>
-              </a:rPr>
-              <a:t>: Azure Data Studio is a data management tool that enables working with SQL Server, Azure SQL DB and SQL DW from Windows, macOS and Linux. (github.com)</a:t>
-            </a:r>
-            <a:endParaRPr lang="en-CA" dirty="0"/>
-          </a:p>
-          <a:p>
-            <a:r>
-              <a:rPr lang="en-US" dirty="0"/>
-              <a:t>Nunc viverra imperdiet enim. Fusce est. Vivamus a tellus.</a:t>
-            </a:r>
-          </a:p>
-          <a:p>
-            <a:r>
-              <a:rPr lang="en-US" dirty="0"/>
-              <a:t>Pellentesque habitant morbi tristique senectus et netus et malesuada fames ac turpis egestas.</a:t>
-            </a:r>
-          </a:p>
-          <a:p>
-            <a:r>
-              <a:rPr lang="en-US" dirty="0"/>
-              <a:t>Proin pharetra nonummy pede. Mauris et orci.</a:t>
-            </a:r>
-          </a:p>
-          <a:p>
-            <a:endParaRPr lang="en-US" dirty="0"/>
-          </a:p>
-        </p:txBody>
-      </p:sp>
-      <p:sp>
-        <p:nvSpPr>
-          <p:cNvPr id="4" name="Slide Number Placeholder 3">
-            <a:extLst>
-              <a:ext uri="{FF2B5EF4-FFF2-40B4-BE49-F238E27FC236}">
-                <a16:creationId xmlns:a16="http://schemas.microsoft.com/office/drawing/2014/main" id="{A2CD9E05-3F77-4460-996C-81E48C9C9302}"/>
-              </a:ext>
-            </a:extLst>
-          </p:cNvPr>
-          <p:cNvSpPr>
-            <a:spLocks noGrp="1"/>
-          </p:cNvSpPr>
-          <p:nvPr>
-            <p:ph type="sldNum" sz="quarter" idx="12"/>
-          </p:nvPr>
-        </p:nvSpPr>
-        <p:spPr/>
-        <p:txBody>
-          <a:bodyPr/>
-          <a:lstStyle/>
-          <a:p>
-            <a:fld id="{D9BB3731-526F-4638-85F8-715D717FFC12}" type="slidenum">
-              <a:rPr lang="en-US" smtClean="0"/>
-              <a:pPr/>
-              <a:t>14</a:t>
-            </a:fld>
-            <a:endParaRPr lang="en-US" dirty="0"/>
-          </a:p>
-        </p:txBody>
-      </p:sp>
-      <p:pic>
-        <p:nvPicPr>
-          <p:cNvPr id="9" name="Picture 8" descr="Rocks on a beach&#10;&#10;Description automatically generated with medium confidence">
-            <a:extLst>
-              <a:ext uri="{FF2B5EF4-FFF2-40B4-BE49-F238E27FC236}">
-                <a16:creationId xmlns:a16="http://schemas.microsoft.com/office/drawing/2014/main" id="{FB1CCF9C-0D36-4D8B-9C2E-3408447093C6}"/>
-              </a:ext>
-            </a:extLst>
-          </p:cNvPr>
-          <p:cNvPicPr>
-            <a:picLocks noChangeAspect="1"/>
-          </p:cNvPicPr>
-          <p:nvPr/>
-        </p:nvPicPr>
-        <p:blipFill>
-          <a:blip r:embed="rId6"/>
-          <a:stretch>
-            <a:fillRect/>
-          </a:stretch>
-        </p:blipFill>
-        <p:spPr>
-          <a:xfrm>
-            <a:off x="0" y="0"/>
-            <a:ext cx="5253763" cy="5829300"/>
-          </a:xfrm>
-          <a:prstGeom prst="rect">
-            <a:avLst/>
-          </a:prstGeom>
-        </p:spPr>
-      </p:pic>
-    </p:spTree>
-    <p:extLst>
-      <p:ext uri="{BB962C8B-B14F-4D97-AF65-F5344CB8AC3E}">
-        <p14:creationId xmlns:p14="http://schemas.microsoft.com/office/powerpoint/2010/main" val="4011904091"/>
-      </p:ext>
-    </p:extLst>
-  </p:cSld>
-  <p:clrMapOvr>
-    <a:masterClrMapping/>
-  </p:clrMapOvr>
-</p:sld>
-</file>
-
-<file path=ppt/slides/slide15.xml><?xml version="1.0" encoding="utf-8"?>
-<p:sld xmlns:a="http://schemas.openxmlformats.org/drawingml/2006/main" xmlns:r="http://schemas.openxmlformats.org/officeDocument/2006/relationships" xmlns:p="http://schemas.openxmlformats.org/presentationml/2006/main">
-  <p:cSld>
-    <p:spTree>
-      <p:nvGrpSpPr>
-        <p:cNvPr id="1" name=""/>
-        <p:cNvGrpSpPr/>
-        <p:nvPr/>
-      </p:nvGrpSpPr>
-      <p:grpSpPr>
-        <a:xfrm>
-          <a:off x="0" y="0"/>
-          <a:ext cx="0" cy="0"/>
-          <a:chOff x="0" y="0"/>
-          <a:chExt cx="0" cy="0"/>
-        </a:xfrm>
-      </p:grpSpPr>
-      <p:sp>
-        <p:nvSpPr>
-          <p:cNvPr id="9" name="Text Placeholder 8">
-            <a:extLst>
-              <a:ext uri="{FF2B5EF4-FFF2-40B4-BE49-F238E27FC236}">
-                <a16:creationId xmlns:a16="http://schemas.microsoft.com/office/drawing/2014/main" id="{F28E1F60-6C6C-485D-9479-5F6E3AF49905}"/>
-              </a:ext>
-            </a:extLst>
-          </p:cNvPr>
-          <p:cNvSpPr>
-            <a:spLocks noGrp="1"/>
-          </p:cNvSpPr>
-          <p:nvPr>
-            <p:ph type="body" sz="quarter" idx="19"/>
-          </p:nvPr>
-        </p:nvSpPr>
-        <p:spPr/>
-        <p:txBody>
-          <a:bodyPr/>
-          <a:lstStyle/>
-          <a:p>
-            <a:r>
-              <a:rPr lang="en-US" dirty="0"/>
-              <a:t>Email:</a:t>
-            </a:r>
-          </a:p>
-        </p:txBody>
-      </p:sp>
-      <p:sp>
-        <p:nvSpPr>
-          <p:cNvPr id="10" name="Text Placeholder 9">
-            <a:extLst>
-              <a:ext uri="{FF2B5EF4-FFF2-40B4-BE49-F238E27FC236}">
-                <a16:creationId xmlns:a16="http://schemas.microsoft.com/office/drawing/2014/main" id="{F2241E27-DB7F-42AE-9A03-F047CD2F1C45}"/>
-              </a:ext>
-            </a:extLst>
-          </p:cNvPr>
-          <p:cNvSpPr>
-            <a:spLocks noGrp="1"/>
-          </p:cNvSpPr>
-          <p:nvPr>
-            <p:ph type="body" sz="quarter" idx="20"/>
-          </p:nvPr>
-        </p:nvSpPr>
-        <p:spPr/>
-        <p:txBody>
-          <a:bodyPr/>
-          <a:lstStyle/>
-          <a:p>
-            <a:r>
-              <a:rPr lang="en-US" dirty="0"/>
-              <a:t>cnermo@krakenyyc.com</a:t>
-            </a:r>
-          </a:p>
-        </p:txBody>
-      </p:sp>
-      <p:pic>
-        <p:nvPicPr>
-          <p:cNvPr id="15" name="Picture Placeholder 14" descr="Company logo">
-            <a:extLst>
-              <a:ext uri="{FF2B5EF4-FFF2-40B4-BE49-F238E27FC236}">
-                <a16:creationId xmlns:a16="http://schemas.microsoft.com/office/drawing/2014/main" id="{6E0C68BB-78B0-4E48-A15F-000F49DBF3D1}"/>
-              </a:ext>
-            </a:extLst>
-          </p:cNvPr>
-          <p:cNvPicPr>
-            <a:picLocks noGrp="1" noChangeAspect="1"/>
-          </p:cNvPicPr>
-          <p:nvPr>
-            <p:ph type="pic" sz="quarter" idx="16"/>
-          </p:nvPr>
-        </p:nvPicPr>
-        <p:blipFill>
-          <a:blip r:embed="rId3">
-            <a:extLst>
-              <a:ext uri="{28A0092B-C50C-407E-A947-70E740481C1C}">
-                <a14:useLocalDpi xmlns:a14="http://schemas.microsoft.com/office/drawing/2010/main" val="0"/>
-              </a:ext>
-              <a:ext uri="{96DAC541-7B7A-43D3-8B79-37D633B846F1}">
-                <asvg:svgBlip xmlns:asvg="http://schemas.microsoft.com/office/drawing/2016/SVG/main" r:embed="rId4"/>
-              </a:ext>
-            </a:extLst>
-          </a:blip>
-          <a:srcRect t="447" b="447"/>
-          <a:stretch>
-            <a:fillRect/>
-          </a:stretch>
-        </p:blipFill>
-        <p:spPr/>
-      </p:pic>
-      <p:sp>
-        <p:nvSpPr>
-          <p:cNvPr id="4" name="Title 3">
-            <a:extLst>
-              <a:ext uri="{FF2B5EF4-FFF2-40B4-BE49-F238E27FC236}">
-                <a16:creationId xmlns:a16="http://schemas.microsoft.com/office/drawing/2014/main" id="{D09FEBCF-C81C-4F2F-9CC4-C66EF18BA158}"/>
-              </a:ext>
-            </a:extLst>
-          </p:cNvPr>
-          <p:cNvSpPr>
-            <a:spLocks noGrp="1"/>
-          </p:cNvSpPr>
-          <p:nvPr>
-            <p:ph type="title"/>
-          </p:nvPr>
-        </p:nvSpPr>
-        <p:spPr/>
-        <p:txBody>
-          <a:bodyPr/>
-          <a:lstStyle/>
-          <a:p>
-            <a:r>
-              <a:rPr lang="en-US" dirty="0"/>
-              <a:t>THANK</a:t>
-            </a:r>
-            <a:br>
-              <a:rPr lang="en-US" dirty="0"/>
-            </a:br>
-            <a:r>
-              <a:rPr lang="en-US" dirty="0"/>
-              <a:t>YOU!</a:t>
-            </a:r>
-          </a:p>
-        </p:txBody>
-      </p:sp>
-      <p:sp>
-        <p:nvSpPr>
-          <p:cNvPr id="8" name="Text Placeholder 7">
-            <a:extLst>
-              <a:ext uri="{FF2B5EF4-FFF2-40B4-BE49-F238E27FC236}">
-                <a16:creationId xmlns:a16="http://schemas.microsoft.com/office/drawing/2014/main" id="{87D50CDE-8308-4F6D-BE73-E214E76CADE2}"/>
-              </a:ext>
-            </a:extLst>
-          </p:cNvPr>
-          <p:cNvSpPr>
-            <a:spLocks noGrp="1"/>
-          </p:cNvSpPr>
-          <p:nvPr>
-            <p:ph type="body" sz="quarter" idx="18"/>
-          </p:nvPr>
-        </p:nvSpPr>
-        <p:spPr>
-          <a:xfrm>
-            <a:off x="361245" y="5658102"/>
-            <a:ext cx="3575324" cy="280109"/>
-          </a:xfrm>
-        </p:spPr>
-        <p:txBody>
-          <a:bodyPr/>
-          <a:lstStyle/>
-          <a:p>
-            <a:r>
-              <a:rPr lang="en-CA" dirty="0">
-                <a:hlinkClick r:id="rId5"/>
-              </a:rPr>
-              <a:t>Carrie Nermo | LinkedIn</a:t>
-            </a:r>
-            <a:endParaRPr lang="en-US" dirty="0"/>
-          </a:p>
-        </p:txBody>
-      </p:sp>
-      <p:sp>
-        <p:nvSpPr>
-          <p:cNvPr id="11" name="Text Placeholder 10">
-            <a:extLst>
-              <a:ext uri="{FF2B5EF4-FFF2-40B4-BE49-F238E27FC236}">
-                <a16:creationId xmlns:a16="http://schemas.microsoft.com/office/drawing/2014/main" id="{2E6A9792-30C2-4B8D-9673-6D7E1BFE97BC}"/>
-              </a:ext>
-            </a:extLst>
-          </p:cNvPr>
-          <p:cNvSpPr>
-            <a:spLocks noGrp="1"/>
-          </p:cNvSpPr>
-          <p:nvPr>
-            <p:ph type="body" sz="quarter" idx="21"/>
-          </p:nvPr>
-        </p:nvSpPr>
-        <p:spPr/>
-        <p:txBody>
-          <a:bodyPr/>
-          <a:lstStyle/>
-          <a:p>
-            <a:r>
-              <a:rPr lang="en-US" dirty="0"/>
-              <a:t>Website:</a:t>
-            </a:r>
-          </a:p>
-        </p:txBody>
-      </p:sp>
-      <p:sp>
-        <p:nvSpPr>
-          <p:cNvPr id="12" name="Text Placeholder 11">
-            <a:extLst>
-              <a:ext uri="{FF2B5EF4-FFF2-40B4-BE49-F238E27FC236}">
-                <a16:creationId xmlns:a16="http://schemas.microsoft.com/office/drawing/2014/main" id="{BD8510FA-FCEE-41BD-9624-BB86CEBFC00E}"/>
-              </a:ext>
-            </a:extLst>
-          </p:cNvPr>
-          <p:cNvSpPr>
-            <a:spLocks noGrp="1"/>
-          </p:cNvSpPr>
-          <p:nvPr>
-            <p:ph type="body" sz="quarter" idx="22"/>
-          </p:nvPr>
-        </p:nvSpPr>
-        <p:spPr/>
-        <p:txBody>
-          <a:bodyPr/>
-          <a:lstStyle/>
-          <a:p>
-            <a:r>
-              <a:rPr lang="en-US" dirty="0"/>
-              <a:t>www.KrakenYYC.com</a:t>
-            </a:r>
-          </a:p>
-        </p:txBody>
-      </p:sp>
-      <p:sp>
-        <p:nvSpPr>
-          <p:cNvPr id="3" name="Slide Number Placeholder 2">
-            <a:extLst>
-              <a:ext uri="{FF2B5EF4-FFF2-40B4-BE49-F238E27FC236}">
-                <a16:creationId xmlns:a16="http://schemas.microsoft.com/office/drawing/2014/main" id="{E6CEB35D-FF82-440C-ADC2-65C836A4001D}"/>
-              </a:ext>
-            </a:extLst>
-          </p:cNvPr>
-          <p:cNvSpPr>
-            <a:spLocks noGrp="1"/>
-          </p:cNvSpPr>
-          <p:nvPr>
-            <p:ph type="sldNum" sz="quarter" idx="12"/>
-          </p:nvPr>
-        </p:nvSpPr>
-        <p:spPr/>
-        <p:txBody>
-          <a:bodyPr/>
-          <a:lstStyle/>
-          <a:p>
-            <a:fld id="{D9BB3731-526F-4638-85F8-715D717FFC12}" type="slidenum">
-              <a:rPr lang="en-US" smtClean="0"/>
-              <a:t>15</a:t>
-            </a:fld>
-            <a:endParaRPr lang="en-US" dirty="0"/>
-          </a:p>
-        </p:txBody>
-      </p:sp>
-    </p:spTree>
-    <p:extLst>
-      <p:ext uri="{BB962C8B-B14F-4D97-AF65-F5344CB8AC3E}">
-        <p14:creationId xmlns:p14="http://schemas.microsoft.com/office/powerpoint/2010/main" val="3953844005"/>
+        <p14:creationId xmlns:p14="http://schemas.microsoft.com/office/powerpoint/2010/main" val="809409900"/>
       </p:ext>
     </p:extLst>
   </p:cSld>
@@ -32700,7 +31739,7 @@
                 <a:ea typeface="+mn-ea"/>
                 <a:cs typeface="+mn-cs"/>
               </a:rPr>
-              <a:t>Have you used Azure Data Studio?</a:t>
+              <a:t>What is your experience with Azure Data Studio?</a:t>
             </a:r>
             <a:endParaRPr lang="en-US" sz="4800" b="1" kern="1200" dirty="0">
               <a:solidFill>
@@ -33110,7 +32149,7 @@
                 </a:solidFill>
                 <a:latin typeface="+mj-lt"/>
               </a:rPr>
-              <a:t>When working with a database interface what is most important?</a:t>
+              <a:t>When working with RDMS, what is most important?</a:t>
             </a:r>
             <a:endParaRPr lang="en-CA" sz="4800" b="1" dirty="0">
               <a:solidFill>
@@ -33405,10 +32444,10 @@
           <p:nvPr/>
         </p:nvPicPr>
         <p:blipFill>
-          <a:blip r:embed="rId2">
+          <a:blip r:embed="rId3">
             <a:extLst>
               <a:ext uri="{837473B0-CC2E-450A-ABE3-18F120FF3D39}">
-                <a1611:picAttrSrcUrl xmlns:a1611="http://schemas.microsoft.com/office/drawing/2016/11/main" r:id="rId3"/>
+                <a1611:picAttrSrcUrl xmlns:a1611="http://schemas.microsoft.com/office/drawing/2016/11/main" r:id="rId4"/>
               </a:ext>
             </a:extLst>
           </a:blip>
@@ -33428,7 +32467,7 @@
       </p:pic>
       <p:pic>
         <p:nvPicPr>
-          <p:cNvPr id="20" name="Picture Placeholder 19" descr="Company logo">
+          <p:cNvPr id="20" name="Picture Placeholder 19">
             <a:extLst>
               <a:ext uri="{FF2B5EF4-FFF2-40B4-BE49-F238E27FC236}">
                 <a16:creationId xmlns:a16="http://schemas.microsoft.com/office/drawing/2014/main" id="{AB4EF146-8CF9-49B6-8B1E-AA318ADDBFB9}"/>
@@ -33443,22 +32482,16 @@
           </p:nvPr>
         </p:nvPicPr>
         <p:blipFill>
-          <a:blip r:embed="rId4">
-            <a:extLst>
-              <a:ext uri="{28A0092B-C50C-407E-A947-70E740481C1C}">
-                <a14:useLocalDpi xmlns:a14="http://schemas.microsoft.com/office/drawing/2010/main" val="0"/>
-              </a:ext>
-              <a:ext uri="{96DAC541-7B7A-43D3-8B79-37D633B846F1}">
-                <asvg:svgBlip xmlns:asvg="http://schemas.microsoft.com/office/drawing/2016/SVG/main" r:embed="rId5"/>
-              </a:ext>
-            </a:extLst>
-          </a:blip>
-          <a:srcRect t="480" b="480"/>
-          <a:stretch>
-            <a:fillRect/>
-          </a:stretch>
+          <a:blip r:embed="rId5"/>
+          <a:srcRect t="15508" b="15508"/>
+          <a:stretch/>
         </p:blipFill>
-        <p:spPr/>
+        <p:spPr>
+          <a:xfrm>
+            <a:off x="839788" y="774398"/>
+            <a:ext cx="2331720" cy="539496"/>
+          </a:xfrm>
+        </p:spPr>
       </p:pic>
       <p:sp>
         <p:nvSpPr>
@@ -33508,12 +32541,20 @@
         </p:nvSpPr>
         <p:spPr/>
         <p:txBody>
-          <a:bodyPr/>
+          <a:bodyPr>
+            <a:normAutofit/>
+          </a:bodyPr>
           <a:lstStyle/>
           <a:p>
             <a:r>
-              <a:rPr lang="en-US" dirty="0"/>
-              <a:t>Pitch Deck Tagline</a:t>
+              <a:rPr lang="en-US" sz="1600" dirty="0"/>
+              <a:t>Powered by</a:t>
+            </a:r>
+          </a:p>
+          <a:p>
+            <a:r>
+              <a:rPr lang="en-US" sz="1600" dirty="0"/>
+              <a:t>KrakenYYC</a:t>
             </a:r>
           </a:p>
         </p:txBody>
@@ -33580,7 +32621,7 @@
       </p:grpSpPr>
       <p:pic>
         <p:nvPicPr>
-          <p:cNvPr id="34" name="Picture Placeholder 33" descr="Company logo">
+          <p:cNvPr id="34" name="Picture Placeholder 33">
             <a:extLst>
               <a:ext uri="{FF2B5EF4-FFF2-40B4-BE49-F238E27FC236}">
                 <a16:creationId xmlns:a16="http://schemas.microsoft.com/office/drawing/2014/main" id="{8051DE7D-FFD3-4B15-99DB-7786742BE5B9}"/>
@@ -33595,22 +32636,16 @@
           </p:nvPr>
         </p:nvPicPr>
         <p:blipFill>
-          <a:blip r:embed="rId2">
-            <a:extLst>
-              <a:ext uri="{28A0092B-C50C-407E-A947-70E740481C1C}">
-                <a14:useLocalDpi xmlns:a14="http://schemas.microsoft.com/office/drawing/2010/main" val="0"/>
-              </a:ext>
-              <a:ext uri="{96DAC541-7B7A-43D3-8B79-37D633B846F1}">
-                <asvg:svgBlip xmlns:asvg="http://schemas.microsoft.com/office/drawing/2016/SVG/main" r:embed="rId3"/>
-              </a:ext>
-            </a:extLst>
-          </a:blip>
-          <a:srcRect t="480" b="480"/>
-          <a:stretch>
-            <a:fillRect/>
-          </a:stretch>
+          <a:blip r:embed="rId3"/>
+          <a:srcRect t="15508" b="15508"/>
+          <a:stretch/>
         </p:blipFill>
-        <p:spPr/>
+        <p:spPr>
+          <a:xfrm>
+            <a:off x="839788" y="774398"/>
+            <a:ext cx="2331720" cy="539496"/>
+          </a:xfrm>
+        </p:spPr>
       </p:pic>
       <p:sp>
         <p:nvSpPr>
@@ -33641,39 +32676,6 @@
             <a:r>
               <a:rPr lang="en-US" dirty="0"/>
               <a:t>BIG PICTURE</a:t>
-            </a:r>
-          </a:p>
-        </p:txBody>
-      </p:sp>
-      <p:sp>
-        <p:nvSpPr>
-          <p:cNvPr id="5" name="Text Placeholder 4">
-            <a:extLst>
-              <a:ext uri="{FF2B5EF4-FFF2-40B4-BE49-F238E27FC236}">
-                <a16:creationId xmlns:a16="http://schemas.microsoft.com/office/drawing/2014/main" id="{C9F97B9C-B392-4B88-8F6A-8F5A636C64A5}"/>
-              </a:ext>
-            </a:extLst>
-          </p:cNvPr>
-          <p:cNvSpPr>
-            <a:spLocks noGrp="1"/>
-          </p:cNvSpPr>
-          <p:nvPr>
-            <p:ph type="body" idx="1"/>
-          </p:nvPr>
-        </p:nvSpPr>
-        <p:spPr>
-          <a:xfrm>
-            <a:off x="587230" y="3721639"/>
-            <a:ext cx="4680096" cy="539496"/>
-          </a:xfrm>
-        </p:spPr>
-        <p:txBody>
-          <a:bodyPr/>
-          <a:lstStyle/>
-          <a:p>
-            <a:r>
-              <a:rPr lang="en-US" dirty="0"/>
-              <a:t>Open source ** Cross Platform ** Performance</a:t>
             </a:r>
           </a:p>
         </p:txBody>
@@ -33733,7 +32735,7 @@
           <a:p>
             <a:r>
               <a:rPr lang="en-US" dirty="0"/>
-              <a:t>Create and Manage All Databases</a:t>
+              <a:t>Cross Platform Open Source</a:t>
             </a:r>
           </a:p>
         </p:txBody>
@@ -33756,13 +32758,24 @@
         </p:nvSpPr>
         <p:spPr/>
         <p:txBody>
-          <a:bodyPr/>
+          <a:bodyPr>
+            <a:normAutofit fontScale="92500" lnSpcReduction="20000"/>
+          </a:bodyPr>
           <a:lstStyle/>
           <a:p>
             <a:r>
               <a:rPr lang="en-US" dirty="0"/>
-              <a:t>Browse performance and custodial details about your databases.  Currently Azure Cloud, SQL Server, and PostgreSQL</a:t>
-            </a:r>
+              <a:t>Windows * Mac * Linux</a:t>
+            </a:r>
+          </a:p>
+          <a:p>
+            <a:r>
+              <a:rPr lang="en-US" dirty="0"/>
+              <a:t>On prem or in cloud data sources</a:t>
+            </a:r>
+          </a:p>
+          <a:p>
+            <a:endParaRPr lang="en-US" dirty="0"/>
           </a:p>
         </p:txBody>
       </p:sp>
@@ -33846,12 +32859,20 @@
         </p:nvSpPr>
         <p:spPr/>
         <p:txBody>
-          <a:bodyPr/>
+          <a:bodyPr>
+            <a:normAutofit fontScale="92500" lnSpcReduction="20000"/>
+          </a:bodyPr>
           <a:lstStyle/>
           <a:p>
             <a:r>
               <a:rPr lang="en-US" dirty="0"/>
-              <a:t>Intellisense makes SQL Queries easier</a:t>
+              <a:t>Designed for developers – write, edit and execute with ease</a:t>
+            </a:r>
+          </a:p>
+          <a:p>
+            <a:r>
+              <a:rPr lang="en-US" dirty="0"/>
+              <a:t>Intellisense makes writing SQL queries effortless and error proof</a:t>
             </a:r>
           </a:p>
         </p:txBody>
@@ -33913,7 +32934,7 @@
           <a:p>
             <a:r>
               <a:rPr lang="en-US" dirty="0"/>
-              <a:t>View and Save Results</a:t>
+              <a:t>Integrated Analytics Tool</a:t>
             </a:r>
           </a:p>
         </p:txBody>
@@ -33936,12 +32957,20 @@
         </p:nvSpPr>
         <p:spPr/>
         <p:txBody>
-          <a:bodyPr/>
+          <a:bodyPr>
+            <a:normAutofit fontScale="92500" lnSpcReduction="20000"/>
+          </a:bodyPr>
           <a:lstStyle/>
           <a:p>
             <a:r>
               <a:rPr lang="en-US" dirty="0"/>
-              <a:t>Export your results as text, JSON, XML, or Excel.  Make changes to your database inside cells, no more ALTER TABLE</a:t>
+              <a:t>Built-in terminal * GIT support * PowerShell</a:t>
+            </a:r>
+          </a:p>
+          <a:p>
+            <a:r>
+              <a:rPr lang="en-US" dirty="0"/>
+              <a:t>Customized environment – e.g., colour schemes</a:t>
             </a:r>
           </a:p>
         </p:txBody>
@@ -34003,7 +33032,7 @@
           <a:p>
             <a:r>
               <a:rPr lang="en-US" dirty="0"/>
-              <a:t>Backup and Restore Databases</a:t>
+              <a:t>Active Community</a:t>
             </a:r>
           </a:p>
         </p:txBody>
@@ -34026,12 +33055,20 @@
         </p:nvSpPr>
         <p:spPr/>
         <p:txBody>
-          <a:bodyPr/>
+          <a:bodyPr>
+            <a:normAutofit fontScale="92500" lnSpcReduction="20000"/>
+          </a:bodyPr>
           <a:lstStyle/>
           <a:p>
             <a:r>
               <a:rPr lang="en-US" dirty="0"/>
-              <a:t>Lorem ipsum dolor sit amet, consectetuer adipiscing elit. Maecenas porttitor congue massa</a:t>
+              <a:t>Forked from VS Code</a:t>
+            </a:r>
+          </a:p>
+          <a:p>
+            <a:r>
+              <a:rPr lang="en-US" dirty="0"/>
+              <a:t>Active GitHub group</a:t>
             </a:r>
           </a:p>
         </p:txBody>
@@ -34066,6 +33103,36 @@
           </a:p>
         </p:txBody>
       </p:sp>
+      <p:pic>
+        <p:nvPicPr>
+          <p:cNvPr id="2" name="Picture 1">
+            <a:extLst>
+              <a:ext uri="{FF2B5EF4-FFF2-40B4-BE49-F238E27FC236}">
+                <a16:creationId xmlns:a16="http://schemas.microsoft.com/office/drawing/2014/main" id="{B19F2FEA-8B4F-4FA0-B722-753F12B541DD}"/>
+              </a:ext>
+            </a:extLst>
+          </p:cNvPr>
+          <p:cNvPicPr>
+            <a:picLocks noChangeAspect="1"/>
+          </p:cNvPicPr>
+          <p:nvPr/>
+        </p:nvPicPr>
+        <p:blipFill>
+          <a:blip r:embed="rId12"/>
+          <a:stretch>
+            <a:fillRect/>
+          </a:stretch>
+        </p:blipFill>
+        <p:spPr>
+          <a:xfrm>
+            <a:off x="1179910" y="3658478"/>
+            <a:ext cx="2714625" cy="1911779"/>
+          </a:xfrm>
+          <a:prstGeom prst="rect">
+            <a:avLst/>
+          </a:prstGeom>
+        </p:spPr>
+      </p:pic>
     </p:spTree>
     <p:extLst>
       <p:ext uri="{BB962C8B-B14F-4D97-AF65-F5344CB8AC3E}">
@@ -34098,7 +33165,7 @@
       </p:grpSpPr>
       <p:pic>
         <p:nvPicPr>
-          <p:cNvPr id="34" name="Picture Placeholder 33" descr="Company logo">
+          <p:cNvPr id="34" name="Picture Placeholder 33">
             <a:extLst>
               <a:ext uri="{FF2B5EF4-FFF2-40B4-BE49-F238E27FC236}">
                 <a16:creationId xmlns:a16="http://schemas.microsoft.com/office/drawing/2014/main" id="{8051DE7D-FFD3-4B15-99DB-7786742BE5B9}"/>
@@ -34113,22 +33180,16 @@
           </p:nvPr>
         </p:nvPicPr>
         <p:blipFill>
-          <a:blip r:embed="rId2">
-            <a:extLst>
-              <a:ext uri="{28A0092B-C50C-407E-A947-70E740481C1C}">
-                <a14:useLocalDpi xmlns:a14="http://schemas.microsoft.com/office/drawing/2010/main" val="0"/>
-              </a:ext>
-              <a:ext uri="{96DAC541-7B7A-43D3-8B79-37D633B846F1}">
-                <asvg:svgBlip xmlns:asvg="http://schemas.microsoft.com/office/drawing/2016/SVG/main" r:embed="rId3"/>
-              </a:ext>
-            </a:extLst>
-          </a:blip>
-          <a:srcRect t="480" b="480"/>
-          <a:stretch>
-            <a:fillRect/>
-          </a:stretch>
+          <a:blip r:embed="rId3"/>
+          <a:srcRect t="15508" b="15508"/>
+          <a:stretch/>
         </p:blipFill>
-        <p:spPr/>
+        <p:spPr>
+          <a:xfrm>
+            <a:off x="839788" y="774398"/>
+            <a:ext cx="2331720" cy="539496"/>
+          </a:xfrm>
+        </p:spPr>
       </p:pic>
       <p:sp>
         <p:nvSpPr>
@@ -34251,7 +33312,7 @@
           <a:p>
             <a:r>
               <a:rPr lang="en-US" dirty="0"/>
-              <a:t>.</a:t>
+              <a:t>Create and Manage All Databases</a:t>
             </a:r>
           </a:p>
         </p:txBody>
@@ -34364,12 +33425,20 @@
         </p:nvSpPr>
         <p:spPr/>
         <p:txBody>
-          <a:bodyPr/>
+          <a:bodyPr>
+            <a:normAutofit fontScale="92500" lnSpcReduction="20000"/>
+          </a:bodyPr>
           <a:lstStyle/>
           <a:p>
             <a:r>
               <a:rPr lang="en-US" dirty="0"/>
-              <a:t>Intellisense makes SQL Queries easier</a:t>
+              <a:t>Create a personal experience with familiar environments</a:t>
+            </a:r>
+          </a:p>
+          <a:p>
+            <a:r>
+              <a:rPr lang="en-US" dirty="0"/>
+              <a:t>Add widgets to extend managing your databases</a:t>
             </a:r>
           </a:p>
         </p:txBody>
@@ -34454,12 +33523,20 @@
         </p:nvSpPr>
         <p:spPr/>
         <p:txBody>
-          <a:bodyPr/>
+          <a:bodyPr>
+            <a:normAutofit fontScale="92500" lnSpcReduction="20000"/>
+          </a:bodyPr>
           <a:lstStyle/>
           <a:p>
             <a:r>
               <a:rPr lang="en-US" dirty="0"/>
-              <a:t>Export your results as text, JSON, XML, or Excel.  Make changes to your database inside cells, no more ALTER TABLE</a:t>
+              <a:t>Create a single repository for your database scripts</a:t>
+            </a:r>
+          </a:p>
+          <a:p>
+            <a:r>
+              <a:rPr lang="en-US" dirty="0"/>
+              <a:t>Share your scripts easily with your peers</a:t>
             </a:r>
           </a:p>
         </p:txBody>
@@ -34544,12 +33621,20 @@
         </p:nvSpPr>
         <p:spPr/>
         <p:txBody>
-          <a:bodyPr/>
+          <a:bodyPr>
+            <a:normAutofit fontScale="92500" lnSpcReduction="20000"/>
+          </a:bodyPr>
           <a:lstStyle/>
           <a:p>
             <a:r>
               <a:rPr lang="en-US" dirty="0"/>
-              <a:t>Lorem ipsum dolor sit amet, consectetuer adipiscing elit. Maecenas porttitor congue massa</a:t>
+              <a:t>Create a separate database model to experiment with new features</a:t>
+            </a:r>
+          </a:p>
+          <a:p>
+            <a:r>
+              <a:rPr lang="en-US" dirty="0"/>
+              <a:t>Keep all scripts, pictures, and documentation in one location</a:t>
             </a:r>
           </a:p>
         </p:txBody>
@@ -34598,46 +33683,15 @@
           </p:cNvPicPr>
           <p:nvPr/>
         </p:nvPicPr>
-        <p:blipFill>
+        <p:blipFill rotWithShape="1">
           <a:blip r:embed="rId12"/>
-          <a:stretch>
-            <a:fillRect/>
-          </a:stretch>
+          <a:srcRect t="-10457" b="10457"/>
+          <a:stretch/>
         </p:blipFill>
         <p:spPr>
           <a:xfrm>
             <a:off x="538798" y="3798731"/>
             <a:ext cx="2933700" cy="2409825"/>
-          </a:xfrm>
-          <a:prstGeom prst="rect">
-            <a:avLst/>
-          </a:prstGeom>
-        </p:spPr>
-      </p:pic>
-      <p:pic>
-        <p:nvPicPr>
-          <p:cNvPr id="2" name="Picture 1">
-            <a:extLst>
-              <a:ext uri="{FF2B5EF4-FFF2-40B4-BE49-F238E27FC236}">
-                <a16:creationId xmlns:a16="http://schemas.microsoft.com/office/drawing/2014/main" id="{24BB5A1E-1562-4CE5-8BCE-3D540B354B55}"/>
-              </a:ext>
-            </a:extLst>
-          </p:cNvPr>
-          <p:cNvPicPr>
-            <a:picLocks noChangeAspect="1"/>
-          </p:cNvPicPr>
-          <p:nvPr/>
-        </p:nvPicPr>
-        <p:blipFill>
-          <a:blip r:embed="rId13"/>
-          <a:stretch>
-            <a:fillRect/>
-          </a:stretch>
-        </p:blipFill>
-        <p:spPr>
-          <a:xfrm>
-            <a:off x="1262698" y="3721639"/>
-            <a:ext cx="2209800" cy="2295525"/>
           </a:xfrm>
           <a:prstGeom prst="rect">
             <a:avLst/>
@@ -34676,7 +33730,7 @@
       </p:grpSpPr>
       <p:pic>
         <p:nvPicPr>
-          <p:cNvPr id="34" name="Picture Placeholder 33" descr="Company logo">
+          <p:cNvPr id="34" name="Picture Placeholder 33">
             <a:extLst>
               <a:ext uri="{FF2B5EF4-FFF2-40B4-BE49-F238E27FC236}">
                 <a16:creationId xmlns:a16="http://schemas.microsoft.com/office/drawing/2014/main" id="{8051DE7D-FFD3-4B15-99DB-7786742BE5B9}"/>
@@ -34691,22 +33745,16 @@
           </p:nvPr>
         </p:nvPicPr>
         <p:blipFill>
-          <a:blip r:embed="rId3">
-            <a:extLst>
-              <a:ext uri="{28A0092B-C50C-407E-A947-70E740481C1C}">
-                <a14:useLocalDpi xmlns:a14="http://schemas.microsoft.com/office/drawing/2010/main" val="0"/>
-              </a:ext>
-              <a:ext uri="{96DAC541-7B7A-43D3-8B79-37D633B846F1}">
-                <asvg:svgBlip xmlns:asvg="http://schemas.microsoft.com/office/drawing/2016/SVG/main" r:embed="rId4"/>
-              </a:ext>
-            </a:extLst>
-          </a:blip>
-          <a:srcRect t="480" b="480"/>
-          <a:stretch>
-            <a:fillRect/>
-          </a:stretch>
+          <a:blip r:embed="rId3"/>
+          <a:srcRect t="15508" b="15508"/>
+          <a:stretch/>
         </p:blipFill>
-        <p:spPr/>
+        <p:spPr>
+          <a:xfrm>
+            <a:off x="839788" y="774398"/>
+            <a:ext cx="2331720" cy="539496"/>
+          </a:xfrm>
+        </p:spPr>
       </p:pic>
       <p:sp>
         <p:nvSpPr>
@@ -34774,12 +33822,140 @@
           </a:p>
         </p:txBody>
       </p:sp>
+      <p:sp>
+        <p:nvSpPr>
+          <p:cNvPr id="13" name="Text Placeholder 12">
+            <a:extLst>
+              <a:ext uri="{FF2B5EF4-FFF2-40B4-BE49-F238E27FC236}">
+                <a16:creationId xmlns:a16="http://schemas.microsoft.com/office/drawing/2014/main" id="{288B31D3-0789-4DF4-AD20-93415472DD16}"/>
+              </a:ext>
+            </a:extLst>
+          </p:cNvPr>
+          <p:cNvSpPr>
+            <a:spLocks noGrp="1"/>
+          </p:cNvSpPr>
+          <p:nvPr>
+            <p:ph type="body" idx="21"/>
+          </p:nvPr>
+        </p:nvSpPr>
+        <p:spPr/>
+        <p:txBody>
+          <a:bodyPr/>
+          <a:lstStyle/>
+          <a:p>
+            <a:r>
+              <a:rPr lang="en-US" dirty="0"/>
+              <a:t>Intellisense</a:t>
+            </a:r>
+          </a:p>
+        </p:txBody>
+      </p:sp>
+      <p:sp>
+        <p:nvSpPr>
+          <p:cNvPr id="6" name="Text Placeholder 5">
+            <a:extLst>
+              <a:ext uri="{FF2B5EF4-FFF2-40B4-BE49-F238E27FC236}">
+                <a16:creationId xmlns:a16="http://schemas.microsoft.com/office/drawing/2014/main" id="{AB6641A0-4192-4E0C-BB0D-ECA53D186AF8}"/>
+              </a:ext>
+            </a:extLst>
+          </p:cNvPr>
+          <p:cNvSpPr>
+            <a:spLocks noGrp="1"/>
+          </p:cNvSpPr>
+          <p:nvPr>
+            <p:ph type="body" idx="13"/>
+          </p:nvPr>
+        </p:nvSpPr>
+        <p:spPr/>
+        <p:txBody>
+          <a:bodyPr>
+            <a:normAutofit fontScale="92500" lnSpcReduction="20000"/>
+          </a:bodyPr>
+          <a:lstStyle/>
+          <a:p>
+            <a:r>
+              <a:rPr lang="en-US" dirty="0"/>
+              <a:t>Pre-created snippets to save time</a:t>
+            </a:r>
+          </a:p>
+          <a:p>
+            <a:r>
+              <a:rPr lang="en-US" dirty="0"/>
+              <a:t>Autocomplete has become standard in query creation</a:t>
+            </a:r>
+          </a:p>
+        </p:txBody>
+      </p:sp>
+      <p:sp>
+        <p:nvSpPr>
+          <p:cNvPr id="32" name="Text Placeholder 31">
+            <a:extLst>
+              <a:ext uri="{FF2B5EF4-FFF2-40B4-BE49-F238E27FC236}">
+                <a16:creationId xmlns:a16="http://schemas.microsoft.com/office/drawing/2014/main" id="{E19D2F06-5815-4EF2-9A13-83A5ABF34AC6}"/>
+              </a:ext>
+            </a:extLst>
+          </p:cNvPr>
+          <p:cNvSpPr>
+            <a:spLocks noGrp="1"/>
+          </p:cNvSpPr>
+          <p:nvPr>
+            <p:ph type="body" idx="27"/>
+          </p:nvPr>
+        </p:nvSpPr>
+        <p:spPr/>
+        <p:txBody>
+          <a:bodyPr/>
+          <a:lstStyle/>
+          <a:p>
+            <a:r>
+              <a:rPr lang="en-US" dirty="0"/>
+              <a:t>Ease of Use</a:t>
+            </a:r>
+          </a:p>
+        </p:txBody>
+      </p:sp>
+      <p:sp>
+        <p:nvSpPr>
+          <p:cNvPr id="31" name="Text Placeholder 30">
+            <a:extLst>
+              <a:ext uri="{FF2B5EF4-FFF2-40B4-BE49-F238E27FC236}">
+                <a16:creationId xmlns:a16="http://schemas.microsoft.com/office/drawing/2014/main" id="{EB2B0B62-81FA-4A47-82F8-3D22126720F2}"/>
+              </a:ext>
+            </a:extLst>
+          </p:cNvPr>
+          <p:cNvSpPr>
+            <a:spLocks noGrp="1"/>
+          </p:cNvSpPr>
+          <p:nvPr>
+            <p:ph type="body" idx="26"/>
+          </p:nvPr>
+        </p:nvSpPr>
+        <p:spPr/>
+        <p:txBody>
+          <a:bodyPr>
+            <a:normAutofit fontScale="92500" lnSpcReduction="20000"/>
+          </a:bodyPr>
+          <a:lstStyle/>
+          <a:p>
+            <a:r>
+              <a:rPr lang="en-US" dirty="0"/>
+              <a:t>No upskilling if you are already using SSMS</a:t>
+            </a:r>
+          </a:p>
+          <a:p>
+            <a:r>
+              <a:rPr lang="en-US" dirty="0"/>
+              <a:t>Open source – create what you need it to be</a:t>
+            </a:r>
+          </a:p>
+        </p:txBody>
+      </p:sp>
       <p:pic>
         <p:nvPicPr>
-          <p:cNvPr id="36" name="Picture Placeholder 35" descr="Bonsai outline">
-            <a:extLst>
-              <a:ext uri="{FF2B5EF4-FFF2-40B4-BE49-F238E27FC236}">
-                <a16:creationId xmlns:a16="http://schemas.microsoft.com/office/drawing/2014/main" id="{4B47D04C-E51A-4CB6-9B18-9D632E3010AB}"/>
+          <p:cNvPr id="40" name="Picture Placeholder 39" descr="Building icon">
+            <a:extLst>
+              <a:ext uri="{FF2B5EF4-FFF2-40B4-BE49-F238E27FC236}">
+                <a16:creationId xmlns:a16="http://schemas.microsoft.com/office/drawing/2014/main" id="{581E6194-7E02-4563-8932-E13250B2F8D7}"/>
               </a:ext>
             </a:extLst>
           </p:cNvPr>
@@ -34787,205 +33963,17 @@
             <a:picLocks noGrp="1" noChangeAspect="1"/>
           </p:cNvPicPr>
           <p:nvPr>
-            <p:ph type="pic" sz="quarter" idx="17"/>
+            <p:ph type="pic" sz="quarter" idx="19"/>
           </p:nvPr>
         </p:nvPicPr>
         <p:blipFill>
-          <a:blip r:embed="rId5">
-            <a:extLst>
-              <a:ext uri="{96DAC541-7B7A-43D3-8B79-37D633B846F1}">
-                <asvg:svgBlip xmlns:asvg="http://schemas.microsoft.com/office/drawing/2016/SVG/main" r:embed="rId6"/>
-              </a:ext>
-            </a:extLst>
-          </a:blip>
-          <a:srcRect/>
-          <a:stretch/>
-        </p:blipFill>
-        <p:spPr>
-          <a:xfrm>
-            <a:off x="5295403" y="1303786"/>
-            <a:ext cx="731520" cy="731520"/>
-          </a:xfrm>
-        </p:spPr>
-      </p:pic>
-      <p:sp>
-        <p:nvSpPr>
-          <p:cNvPr id="13" name="Text Placeholder 12">
-            <a:extLst>
-              <a:ext uri="{FF2B5EF4-FFF2-40B4-BE49-F238E27FC236}">
-                <a16:creationId xmlns:a16="http://schemas.microsoft.com/office/drawing/2014/main" id="{288B31D3-0789-4DF4-AD20-93415472DD16}"/>
-              </a:ext>
-            </a:extLst>
-          </p:cNvPr>
-          <p:cNvSpPr>
-            <a:spLocks noGrp="1"/>
-          </p:cNvSpPr>
-          <p:nvPr>
-            <p:ph type="body" idx="21"/>
-          </p:nvPr>
-        </p:nvSpPr>
-        <p:spPr/>
-        <p:txBody>
-          <a:bodyPr/>
-          <a:lstStyle/>
-          <a:p>
-            <a:r>
-              <a:rPr lang="en-US" dirty="0"/>
-              <a:t>Intellisense</a:t>
-            </a:r>
-          </a:p>
-        </p:txBody>
-      </p:sp>
-      <p:sp>
-        <p:nvSpPr>
-          <p:cNvPr id="6" name="Text Placeholder 5">
-            <a:extLst>
-              <a:ext uri="{FF2B5EF4-FFF2-40B4-BE49-F238E27FC236}">
-                <a16:creationId xmlns:a16="http://schemas.microsoft.com/office/drawing/2014/main" id="{AB6641A0-4192-4E0C-BB0D-ECA53D186AF8}"/>
-              </a:ext>
-            </a:extLst>
-          </p:cNvPr>
-          <p:cNvSpPr>
-            <a:spLocks noGrp="1"/>
-          </p:cNvSpPr>
-          <p:nvPr>
-            <p:ph type="body" idx="13"/>
-          </p:nvPr>
-        </p:nvSpPr>
-        <p:spPr/>
-        <p:txBody>
-          <a:bodyPr/>
-          <a:lstStyle/>
-          <a:p>
-            <a:r>
-              <a:rPr lang="en-US" dirty="0"/>
-              <a:t>Browse performance and custodial details about your databases.  Currently Azure Cloud, SQL Server, and PostgreSQL</a:t>
-            </a:r>
-          </a:p>
-        </p:txBody>
-      </p:sp>
-      <p:pic>
-        <p:nvPicPr>
-          <p:cNvPr id="38" name="Picture Placeholder 37" descr="Advertising outline">
-            <a:extLst>
-              <a:ext uri="{FF2B5EF4-FFF2-40B4-BE49-F238E27FC236}">
-                <a16:creationId xmlns:a16="http://schemas.microsoft.com/office/drawing/2014/main" id="{E870BD4A-115C-4093-BB73-28C846074B2D}"/>
-              </a:ext>
-            </a:extLst>
-          </p:cNvPr>
-          <p:cNvPicPr>
-            <a:picLocks noGrp="1" noChangeAspect="1"/>
-          </p:cNvPicPr>
-          <p:nvPr>
-            <p:ph type="pic" sz="quarter" idx="20"/>
-          </p:nvPr>
-        </p:nvPicPr>
-        <p:blipFill>
-          <a:blip r:embed="rId7">
-            <a:extLst>
-              <a:ext uri="{96DAC541-7B7A-43D3-8B79-37D633B846F1}">
-                <asvg:svgBlip xmlns:asvg="http://schemas.microsoft.com/office/drawing/2016/SVG/main" r:embed="rId8"/>
-              </a:ext>
-            </a:extLst>
-          </a:blip>
-          <a:srcRect/>
-          <a:stretch/>
-        </p:blipFill>
-        <p:spPr>
-          <a:xfrm>
-            <a:off x="5295403" y="2482103"/>
-            <a:ext cx="731520" cy="731520"/>
-          </a:xfrm>
-        </p:spPr>
-      </p:pic>
-      <p:sp>
-        <p:nvSpPr>
-          <p:cNvPr id="32" name="Text Placeholder 31">
-            <a:extLst>
-              <a:ext uri="{FF2B5EF4-FFF2-40B4-BE49-F238E27FC236}">
-                <a16:creationId xmlns:a16="http://schemas.microsoft.com/office/drawing/2014/main" id="{E19D2F06-5815-4EF2-9A13-83A5ABF34AC6}"/>
-              </a:ext>
-            </a:extLst>
-          </p:cNvPr>
-          <p:cNvSpPr>
-            <a:spLocks noGrp="1"/>
-          </p:cNvSpPr>
-          <p:nvPr>
-            <p:ph type="body" idx="27"/>
-          </p:nvPr>
-        </p:nvSpPr>
-        <p:spPr/>
-        <p:txBody>
-          <a:bodyPr/>
-          <a:lstStyle/>
-          <a:p>
-            <a:r>
-              <a:rPr lang="en-US" dirty="0"/>
-              <a:t>Active Community</a:t>
-            </a:r>
-          </a:p>
-        </p:txBody>
-      </p:sp>
-      <p:sp>
-        <p:nvSpPr>
-          <p:cNvPr id="31" name="Text Placeholder 30">
-            <a:extLst>
-              <a:ext uri="{FF2B5EF4-FFF2-40B4-BE49-F238E27FC236}">
-                <a16:creationId xmlns:a16="http://schemas.microsoft.com/office/drawing/2014/main" id="{EB2B0B62-81FA-4A47-82F8-3D22126720F2}"/>
-              </a:ext>
-            </a:extLst>
-          </p:cNvPr>
-          <p:cNvSpPr>
-            <a:spLocks noGrp="1"/>
-          </p:cNvSpPr>
-          <p:nvPr>
-            <p:ph type="body" idx="26"/>
-          </p:nvPr>
-        </p:nvSpPr>
-        <p:spPr/>
-        <p:txBody>
-          <a:bodyPr>
-            <a:normAutofit fontScale="77500" lnSpcReduction="20000"/>
-          </a:bodyPr>
-          <a:lstStyle/>
-          <a:p>
-            <a:r>
-              <a:rPr lang="en-US" dirty="0"/>
-              <a:t>Intellisense makes SQL Queries easier</a:t>
-            </a:r>
-          </a:p>
-          <a:p>
-            <a:r>
-              <a:rPr lang="en-US" dirty="0"/>
-              <a:t>Open source – with many people working on extensions, you can create your own</a:t>
-            </a:r>
-          </a:p>
-        </p:txBody>
-      </p:sp>
-      <p:pic>
-        <p:nvPicPr>
-          <p:cNvPr id="40" name="Picture Placeholder 39" descr="Building icon">
-            <a:extLst>
-              <a:ext uri="{FF2B5EF4-FFF2-40B4-BE49-F238E27FC236}">
-                <a16:creationId xmlns:a16="http://schemas.microsoft.com/office/drawing/2014/main" id="{581E6194-7E02-4563-8932-E13250B2F8D7}"/>
-              </a:ext>
-            </a:extLst>
-          </p:cNvPr>
-          <p:cNvPicPr>
-            <a:picLocks noGrp="1" noChangeAspect="1"/>
-          </p:cNvPicPr>
-          <p:nvPr>
-            <p:ph type="pic" sz="quarter" idx="19"/>
-          </p:nvPr>
-        </p:nvPicPr>
-        <p:blipFill>
-          <a:blip r:embed="rId9">
+          <a:blip r:embed="rId4">
             <a:extLst>
               <a:ext uri="{28A0092B-C50C-407E-A947-70E740481C1C}">
                 <a14:useLocalDpi xmlns:a14="http://schemas.microsoft.com/office/drawing/2010/main" val="0"/>
               </a:ext>
               <a:ext uri="{96DAC541-7B7A-43D3-8B79-37D633B846F1}">
-                <asvg:svgBlip xmlns:asvg="http://schemas.microsoft.com/office/drawing/2016/SVG/main" r:embed="rId10"/>
+                <asvg:svgBlip xmlns:asvg="http://schemas.microsoft.com/office/drawing/2016/SVG/main" r:embed="rId5"/>
               </a:ext>
             </a:extLst>
           </a:blip>
@@ -35019,7 +34007,7 @@
           <a:p>
             <a:r>
               <a:rPr lang="en-US" dirty="0"/>
-              <a:t>Integration of Familiar </a:t>
+              <a:t>Integration of Familiar Commands</a:t>
             </a:r>
           </a:p>
         </p:txBody>
@@ -35069,13 +34057,13 @@
           </p:nvPr>
         </p:nvPicPr>
         <p:blipFill>
-          <a:blip r:embed="rId11">
+          <a:blip r:embed="rId6">
             <a:extLst>
               <a:ext uri="{28A0092B-C50C-407E-A947-70E740481C1C}">
                 <a14:useLocalDpi xmlns:a14="http://schemas.microsoft.com/office/drawing/2010/main" val="0"/>
               </a:ext>
               <a:ext uri="{96DAC541-7B7A-43D3-8B79-37D633B846F1}">
-                <asvg:svgBlip xmlns:asvg="http://schemas.microsoft.com/office/drawing/2016/SVG/main" r:embed="rId12"/>
+                <asvg:svgBlip xmlns:asvg="http://schemas.microsoft.com/office/drawing/2016/SVG/main" r:embed="rId7"/>
               </a:ext>
             </a:extLst>
           </a:blip>
@@ -35109,7 +34097,7 @@
           <a:p>
             <a:r>
               <a:rPr lang="en-US" dirty="0"/>
-              <a:t>.</a:t>
+              <a:t>Speed</a:t>
             </a:r>
           </a:p>
         </p:txBody>
@@ -35132,12 +34120,20 @@
         </p:nvSpPr>
         <p:spPr/>
         <p:txBody>
-          <a:bodyPr/>
+          <a:bodyPr>
+            <a:normAutofit fontScale="92500" lnSpcReduction="20000"/>
+          </a:bodyPr>
           <a:lstStyle/>
           <a:p>
             <a:r>
               <a:rPr lang="en-US" dirty="0"/>
-              <a:t>Lorem ipsum dolor sit amet, consectetuer adipiscing elit. Maecenas porttitor congue massa</a:t>
+              <a:t>Tool for the developer</a:t>
+            </a:r>
+          </a:p>
+          <a:p>
+            <a:r>
+              <a:rPr lang="en-US" dirty="0"/>
+              <a:t>Queries take a fraction of the time they would in SSMS</a:t>
             </a:r>
           </a:p>
         </p:txBody>
@@ -35187,7 +34183,7 @@
           <p:nvPr/>
         </p:nvPicPr>
         <p:blipFill>
-          <a:blip r:embed="rId13"/>
+          <a:blip r:embed="rId8"/>
           <a:stretch>
             <a:fillRect/>
           </a:stretch>
@@ -35196,6 +34192,102 @@
           <a:xfrm>
             <a:off x="476885" y="3762310"/>
             <a:ext cx="3057525" cy="2143125"/>
+          </a:xfrm>
+          <a:prstGeom prst="rect">
+            <a:avLst/>
+          </a:prstGeom>
+        </p:spPr>
+      </p:pic>
+      <p:pic>
+        <p:nvPicPr>
+          <p:cNvPr id="2" name="Picture 1">
+            <a:extLst>
+              <a:ext uri="{FF2B5EF4-FFF2-40B4-BE49-F238E27FC236}">
+                <a16:creationId xmlns:a16="http://schemas.microsoft.com/office/drawing/2014/main" id="{F43038CD-663D-40A4-8007-E6260A326318}"/>
+              </a:ext>
+            </a:extLst>
+          </p:cNvPr>
+          <p:cNvPicPr>
+            <a:picLocks noChangeAspect="1"/>
+          </p:cNvPicPr>
+          <p:nvPr/>
+        </p:nvPicPr>
+        <p:blipFill>
+          <a:blip r:embed="rId9"/>
+          <a:stretch>
+            <a:fillRect/>
+          </a:stretch>
+        </p:blipFill>
+        <p:spPr>
+          <a:xfrm>
+            <a:off x="5330528" y="1282592"/>
+            <a:ext cx="731583" cy="731583"/>
+          </a:xfrm>
+          <a:prstGeom prst="rect">
+            <a:avLst/>
+          </a:prstGeom>
+        </p:spPr>
+      </p:pic>
+      <p:sp>
+        <p:nvSpPr>
+          <p:cNvPr id="9" name="Picture Placeholder 8">
+            <a:extLst>
+              <a:ext uri="{FF2B5EF4-FFF2-40B4-BE49-F238E27FC236}">
+                <a16:creationId xmlns:a16="http://schemas.microsoft.com/office/drawing/2014/main" id="{49F2D9AB-45E2-441A-959B-F2744A9286A9}"/>
+              </a:ext>
+            </a:extLst>
+          </p:cNvPr>
+          <p:cNvSpPr>
+            <a:spLocks noGrp="1"/>
+          </p:cNvSpPr>
+          <p:nvPr>
+            <p:ph type="pic" sz="quarter" idx="17"/>
+          </p:nvPr>
+        </p:nvSpPr>
+        <p:spPr/>
+      </p:sp>
+      <p:sp>
+        <p:nvSpPr>
+          <p:cNvPr id="11" name="Picture Placeholder 10">
+            <a:extLst>
+              <a:ext uri="{FF2B5EF4-FFF2-40B4-BE49-F238E27FC236}">
+                <a16:creationId xmlns:a16="http://schemas.microsoft.com/office/drawing/2014/main" id="{EF8445B8-5349-4457-882C-CDF77A518A05}"/>
+              </a:ext>
+            </a:extLst>
+          </p:cNvPr>
+          <p:cNvSpPr>
+            <a:spLocks noGrp="1"/>
+          </p:cNvSpPr>
+          <p:nvPr>
+            <p:ph type="pic" sz="quarter" idx="20"/>
+          </p:nvPr>
+        </p:nvSpPr>
+        <p:spPr/>
+      </p:sp>
+      <p:pic>
+        <p:nvPicPr>
+          <p:cNvPr id="12" name="Picture 11">
+            <a:extLst>
+              <a:ext uri="{FF2B5EF4-FFF2-40B4-BE49-F238E27FC236}">
+                <a16:creationId xmlns:a16="http://schemas.microsoft.com/office/drawing/2014/main" id="{C7683505-D479-4B35-AFBA-72DAE77A5216}"/>
+              </a:ext>
+            </a:extLst>
+          </p:cNvPr>
+          <p:cNvPicPr>
+            <a:picLocks noChangeAspect="1"/>
+          </p:cNvPicPr>
+          <p:nvPr/>
+        </p:nvPicPr>
+        <p:blipFill>
+          <a:blip r:embed="rId10"/>
+          <a:stretch>
+            <a:fillRect/>
+          </a:stretch>
+        </p:blipFill>
+        <p:spPr>
+          <a:xfrm>
+            <a:off x="5273611" y="2391464"/>
+            <a:ext cx="731583" cy="731583"/>
           </a:xfrm>
           <a:prstGeom prst="rect">
             <a:avLst/>
@@ -35270,7 +34362,7 @@
       </p:pic>
       <p:pic>
         <p:nvPicPr>
-          <p:cNvPr id="20" name="Picture Placeholder 19" descr="Company logo">
+          <p:cNvPr id="20" name="Picture Placeholder 19">
             <a:extLst>
               <a:ext uri="{FF2B5EF4-FFF2-40B4-BE49-F238E27FC236}">
                 <a16:creationId xmlns:a16="http://schemas.microsoft.com/office/drawing/2014/main" id="{AB4EF146-8CF9-49B6-8B1E-AA318ADDBFB9}"/>
@@ -35285,22 +34377,16 @@
           </p:nvPr>
         </p:nvPicPr>
         <p:blipFill>
-          <a:blip r:embed="rId5">
-            <a:extLst>
-              <a:ext uri="{28A0092B-C50C-407E-A947-70E740481C1C}">
-                <a14:useLocalDpi xmlns:a14="http://schemas.microsoft.com/office/drawing/2010/main" val="0"/>
-              </a:ext>
-              <a:ext uri="{96DAC541-7B7A-43D3-8B79-37D633B846F1}">
-                <asvg:svgBlip xmlns:asvg="http://schemas.microsoft.com/office/drawing/2016/SVG/main" r:embed="rId6"/>
-              </a:ext>
-            </a:extLst>
-          </a:blip>
-          <a:srcRect t="480" b="480"/>
-          <a:stretch>
-            <a:fillRect/>
-          </a:stretch>
+          <a:blip r:embed="rId5"/>
+          <a:srcRect t="15508" b="15508"/>
+          <a:stretch/>
         </p:blipFill>
-        <p:spPr/>
+        <p:spPr>
+          <a:xfrm>
+            <a:off x="839788" y="774398"/>
+            <a:ext cx="2331720" cy="539496"/>
+          </a:xfrm>
+        </p:spPr>
       </p:pic>
       <p:sp>
         <p:nvSpPr>
@@ -35350,12 +34436,20 @@
         </p:nvSpPr>
         <p:spPr/>
         <p:txBody>
-          <a:bodyPr/>
+          <a:bodyPr>
+            <a:normAutofit/>
+          </a:bodyPr>
           <a:lstStyle/>
           <a:p>
             <a:r>
-              <a:rPr lang="en-US" dirty="0"/>
-              <a:t>Pitch Deck Tagline</a:t>
+              <a:rPr lang="en-US" sz="1600" dirty="0"/>
+              <a:t>Powered by</a:t>
+            </a:r>
+          </a:p>
+          <a:p>
+            <a:r>
+              <a:rPr lang="en-US" sz="1600" dirty="0"/>
+              <a:t>KrakenYYC</a:t>
             </a:r>
           </a:p>
         </p:txBody>
@@ -35438,34 +34532,6 @@
         </p:nvSpPr>
         <p:spPr/>
         <p:txBody>
-          <a:bodyPr/>
-          <a:lstStyle/>
-          <a:p>
-            <a:r>
-              <a:rPr lang="en-US" dirty="0"/>
-              <a:t>USE CASES</a:t>
-            </a:r>
-          </a:p>
-        </p:txBody>
-      </p:sp>
-      <p:sp>
-        <p:nvSpPr>
-          <p:cNvPr id="5" name="Text Placeholder 4">
-            <a:extLst>
-              <a:ext uri="{FF2B5EF4-FFF2-40B4-BE49-F238E27FC236}">
-                <a16:creationId xmlns:a16="http://schemas.microsoft.com/office/drawing/2014/main" id="{D219359B-CAD9-418C-BBC3-3A7844B8B081}"/>
-              </a:ext>
-            </a:extLst>
-          </p:cNvPr>
-          <p:cNvSpPr>
-            <a:spLocks noGrp="1"/>
-          </p:cNvSpPr>
-          <p:nvPr>
-            <p:ph type="body" idx="1"/>
-          </p:nvPr>
-        </p:nvSpPr>
-        <p:spPr/>
-        <p:txBody>
           <a:bodyPr>
             <a:normAutofit/>
           </a:bodyPr>
@@ -35473,14 +34539,56 @@
           <a:p>
             <a:r>
               <a:rPr lang="en-US" dirty="0"/>
-              <a:t>Lorem ipsum dolor sit amet, consectetuer adipiscing elit. Maecenas porttitor congue massa. Fusce posuere, magna sed pulvinar ultricies</a:t>
+              <a:t>USE CASES</a:t>
+            </a:r>
+          </a:p>
+        </p:txBody>
+      </p:sp>
+      <p:sp>
+        <p:nvSpPr>
+          <p:cNvPr id="5" name="Text Placeholder 4">
+            <a:extLst>
+              <a:ext uri="{FF2B5EF4-FFF2-40B4-BE49-F238E27FC236}">
+                <a16:creationId xmlns:a16="http://schemas.microsoft.com/office/drawing/2014/main" id="{D219359B-CAD9-418C-BBC3-3A7844B8B081}"/>
+              </a:ext>
+            </a:extLst>
+          </p:cNvPr>
+          <p:cNvSpPr>
+            <a:spLocks noGrp="1"/>
+          </p:cNvSpPr>
+          <p:nvPr>
+            <p:ph type="body" idx="1"/>
+          </p:nvPr>
+        </p:nvSpPr>
+        <p:spPr/>
+        <p:txBody>
+          <a:bodyPr>
+            <a:normAutofit lnSpcReduction="10000"/>
+          </a:bodyPr>
+          <a:lstStyle/>
+          <a:p>
+            <a:r>
+              <a:rPr lang="en-US" dirty="0"/>
+              <a:t>Scope – Queries? Familiarity? Reporting? Visualization?</a:t>
+            </a:r>
+          </a:p>
+          <a:p>
+            <a:r>
+              <a:rPr lang="en-US" dirty="0"/>
+              <a:t>Stakeholders – Developers? DBA’s? </a:t>
+            </a:r>
+          </a:p>
+          <a:p>
+            <a:r>
+              <a:rPr lang="en-US" dirty="0"/>
+              <a:t>Success – Fast results? Collaboration?</a:t>
             </a:r>
           </a:p>
         </p:txBody>
       </p:sp>
       <p:pic>
         <p:nvPicPr>
-          <p:cNvPr id="19" name="Picture Placeholder 18" descr="Company logo">
+          <p:cNvPr id="19" name="Picture Placeholder 18">
             <a:extLst>
               <a:ext uri="{FF2B5EF4-FFF2-40B4-BE49-F238E27FC236}">
                 <a16:creationId xmlns:a16="http://schemas.microsoft.com/office/drawing/2014/main" id="{AD99A990-2E08-4AFB-846F-66E60E1DF3BC}"/>
@@ -35495,22 +34603,16 @@
           </p:nvPr>
         </p:nvPicPr>
         <p:blipFill>
-          <a:blip r:embed="rId2">
-            <a:extLst>
-              <a:ext uri="{28A0092B-C50C-407E-A947-70E740481C1C}">
-                <a14:useLocalDpi xmlns:a14="http://schemas.microsoft.com/office/drawing/2010/main" val="0"/>
-              </a:ext>
-              <a:ext uri="{96DAC541-7B7A-43D3-8B79-37D633B846F1}">
-                <asvg:svgBlip xmlns:asvg="http://schemas.microsoft.com/office/drawing/2016/SVG/main" r:embed="rId3"/>
-              </a:ext>
-            </a:extLst>
-          </a:blip>
-          <a:srcRect t="480" b="480"/>
-          <a:stretch>
-            <a:fillRect/>
-          </a:stretch>
+          <a:blip r:embed="rId3"/>
+          <a:srcRect t="15508" b="15508"/>
+          <a:stretch/>
         </p:blipFill>
-        <p:spPr/>
+        <p:spPr>
+          <a:xfrm>
+            <a:off x="9013409" y="774398"/>
+            <a:ext cx="2331720" cy="539496"/>
+          </a:xfrm>
+        </p:spPr>
       </p:pic>
       <p:sp>
         <p:nvSpPr>
@@ -35600,13 +34702,19 @@
           <a:p>
             <a:r>
               <a:rPr lang="en-US" dirty="0"/>
-              <a:t>Speed</a:t>
+              <a:t>Speedy Presentations</a:t>
             </a:r>
           </a:p>
           <a:p>
             <a:r>
               <a:rPr lang="en-US" dirty="0"/>
-              <a:t>If you are mostly just editing and executing queries – all the heavy lifting is done and you want it fast – use ADS</a:t>
+              <a:t>Create your query</a:t>
+            </a:r>
+          </a:p>
+          <a:p>
+            <a:r>
+              <a:rPr lang="en-US" dirty="0"/>
+              <a:t>Export the data or export the image</a:t>
             </a:r>
           </a:p>
         </p:txBody>
@@ -35705,7 +34813,13 @@
           <a:p>
             <a:r>
               <a:rPr lang="en-US" dirty="0"/>
-              <a:t>Monitor and manage</a:t>
+              <a:t>Monitor and manage prod and qual</a:t>
+            </a:r>
+          </a:p>
+          <a:p>
+            <a:r>
+              <a:rPr lang="en-US" dirty="0"/>
+              <a:t>Watch for new data sources</a:t>
             </a:r>
           </a:p>
         </p:txBody>
@@ -35798,7 +34912,7 @@
           <a:p>
             <a:r>
               <a:rPr lang="en-US" dirty="0"/>
-              <a:t>No upskill – Jupyter Notebooks are familiar</a:t>
+              <a:t>Familiarity with VS Code and/or Jupyter Notebooks will help significantly</a:t>
             </a:r>
           </a:p>
           <a:p>
